--- a/MEDIA/presentation.pptx
+++ b/MEDIA/presentation.pptx
@@ -6,14 +6,17 @@
   </p:sldMasterIdLst>
   <p:sldIdLst>
     <p:sldId id="256" r:id="rId2"/>
-    <p:sldId id="257" r:id="rId3"/>
-    <p:sldId id="258" r:id="rId4"/>
-    <p:sldId id="260" r:id="rId5"/>
-    <p:sldId id="261" r:id="rId6"/>
-    <p:sldId id="259" r:id="rId7"/>
-    <p:sldId id="262" r:id="rId8"/>
-    <p:sldId id="263" r:id="rId9"/>
-    <p:sldId id="265" r:id="rId10"/>
+    <p:sldId id="266" r:id="rId3"/>
+    <p:sldId id="257" r:id="rId4"/>
+    <p:sldId id="258" r:id="rId5"/>
+    <p:sldId id="260" r:id="rId6"/>
+    <p:sldId id="261" r:id="rId7"/>
+    <p:sldId id="259" r:id="rId8"/>
+    <p:sldId id="262" r:id="rId9"/>
+    <p:sldId id="263" r:id="rId10"/>
+    <p:sldId id="267" r:id="rId11"/>
+    <p:sldId id="265" r:id="rId12"/>
+    <p:sldId id="268" r:id="rId13"/>
   </p:sldIdLst>
   <p:sldSz cx="12192000" cy="6858000"/>
   <p:notesSz cx="6858000" cy="9144000"/>
@@ -251,7 +254,7 @@
           <a:p>
             <a:fld id="{0E7E3124-779D-4B50-9AB1-0CA3FF672E87}" type="datetimeFigureOut">
               <a:rPr lang="en-IN" smtClean="0"/>
-              <a:t>31-10-2017</a:t>
+              <a:t>01-11-2017</a:t>
             </a:fld>
             <a:endParaRPr lang="en-IN"/>
           </a:p>
@@ -421,7 +424,7 @@
           <a:p>
             <a:fld id="{0E7E3124-779D-4B50-9AB1-0CA3FF672E87}" type="datetimeFigureOut">
               <a:rPr lang="en-IN" smtClean="0"/>
-              <a:t>31-10-2017</a:t>
+              <a:t>01-11-2017</a:t>
             </a:fld>
             <a:endParaRPr lang="en-IN"/>
           </a:p>
@@ -601,7 +604,7 @@
           <a:p>
             <a:fld id="{0E7E3124-779D-4B50-9AB1-0CA3FF672E87}" type="datetimeFigureOut">
               <a:rPr lang="en-IN" smtClean="0"/>
-              <a:t>31-10-2017</a:t>
+              <a:t>01-11-2017</a:t>
             </a:fld>
             <a:endParaRPr lang="en-IN"/>
           </a:p>
@@ -771,7 +774,7 @@
           <a:p>
             <a:fld id="{0E7E3124-779D-4B50-9AB1-0CA3FF672E87}" type="datetimeFigureOut">
               <a:rPr lang="en-IN" smtClean="0"/>
-              <a:t>31-10-2017</a:t>
+              <a:t>01-11-2017</a:t>
             </a:fld>
             <a:endParaRPr lang="en-IN"/>
           </a:p>
@@ -1017,7 +1020,7 @@
           <a:p>
             <a:fld id="{0E7E3124-779D-4B50-9AB1-0CA3FF672E87}" type="datetimeFigureOut">
               <a:rPr lang="en-IN" smtClean="0"/>
-              <a:t>31-10-2017</a:t>
+              <a:t>01-11-2017</a:t>
             </a:fld>
             <a:endParaRPr lang="en-IN"/>
           </a:p>
@@ -1249,7 +1252,7 @@
           <a:p>
             <a:fld id="{0E7E3124-779D-4B50-9AB1-0CA3FF672E87}" type="datetimeFigureOut">
               <a:rPr lang="en-IN" smtClean="0"/>
-              <a:t>31-10-2017</a:t>
+              <a:t>01-11-2017</a:t>
             </a:fld>
             <a:endParaRPr lang="en-IN"/>
           </a:p>
@@ -1616,7 +1619,7 @@
           <a:p>
             <a:fld id="{0E7E3124-779D-4B50-9AB1-0CA3FF672E87}" type="datetimeFigureOut">
               <a:rPr lang="en-IN" smtClean="0"/>
-              <a:t>31-10-2017</a:t>
+              <a:t>01-11-2017</a:t>
             </a:fld>
             <a:endParaRPr lang="en-IN"/>
           </a:p>
@@ -1734,7 +1737,7 @@
           <a:p>
             <a:fld id="{0E7E3124-779D-4B50-9AB1-0CA3FF672E87}" type="datetimeFigureOut">
               <a:rPr lang="en-IN" smtClean="0"/>
-              <a:t>31-10-2017</a:t>
+              <a:t>01-11-2017</a:t>
             </a:fld>
             <a:endParaRPr lang="en-IN"/>
           </a:p>
@@ -1829,7 +1832,7 @@
           <a:p>
             <a:fld id="{0E7E3124-779D-4B50-9AB1-0CA3FF672E87}" type="datetimeFigureOut">
               <a:rPr lang="en-IN" smtClean="0"/>
-              <a:t>31-10-2017</a:t>
+              <a:t>01-11-2017</a:t>
             </a:fld>
             <a:endParaRPr lang="en-IN"/>
           </a:p>
@@ -2106,7 +2109,7 @@
           <a:p>
             <a:fld id="{0E7E3124-779D-4B50-9AB1-0CA3FF672E87}" type="datetimeFigureOut">
               <a:rPr lang="en-IN" smtClean="0"/>
-              <a:t>31-10-2017</a:t>
+              <a:t>01-11-2017</a:t>
             </a:fld>
             <a:endParaRPr lang="en-IN"/>
           </a:p>
@@ -2359,7 +2362,7 @@
           <a:p>
             <a:fld id="{0E7E3124-779D-4B50-9AB1-0CA3FF672E87}" type="datetimeFigureOut">
               <a:rPr lang="en-IN" smtClean="0"/>
-              <a:t>31-10-2017</a:t>
+              <a:t>01-11-2017</a:t>
             </a:fld>
             <a:endParaRPr lang="en-IN"/>
           </a:p>
@@ -2572,7 +2575,7 @@
           <a:p>
             <a:fld id="{0E7E3124-779D-4B50-9AB1-0CA3FF672E87}" type="datetimeFigureOut">
               <a:rPr lang="en-IN" smtClean="0"/>
-              <a:t>31-10-2017</a:t>
+              <a:t>01-11-2017</a:t>
             </a:fld>
             <a:endParaRPr lang="en-IN"/>
           </a:p>
@@ -2982,10 +2985,378 @@
           <a:chExt cx="0" cy="0"/>
         </a:xfrm>
       </p:grpSpPr>
+      <p:pic>
+        <p:nvPicPr>
+          <p:cNvPr id="2" name="Picture 1"/>
+          <p:cNvPicPr>
+            <a:picLocks noChangeAspect="1"/>
+          </p:cNvPicPr>
+          <p:nvPr/>
+        </p:nvPicPr>
+        <p:blipFill>
+          <a:blip r:embed="rId2">
+            <a:extLst>
+              <a:ext uri="{28A0092B-C50C-407E-A947-70E740481C1C}">
+                <a14:useLocalDpi xmlns:a14="http://schemas.microsoft.com/office/drawing/2010/main" val="0"/>
+              </a:ext>
+            </a:extLst>
+          </a:blip>
+          <a:stretch>
+            <a:fillRect/>
+          </a:stretch>
+        </p:blipFill>
+        <p:spPr>
+          <a:xfrm>
+            <a:off x="0" y="0"/>
+            <a:ext cx="12192000" cy="6858000"/>
+          </a:xfrm>
+          <a:prstGeom prst="rect">
+            <a:avLst/>
+          </a:prstGeom>
+        </p:spPr>
+      </p:pic>
+      <p:sp>
+        <p:nvSpPr>
+          <p:cNvPr id="7" name="TextBox 6"/>
+          <p:cNvSpPr txBox="1"/>
+          <p:nvPr/>
+        </p:nvSpPr>
+        <p:spPr>
+          <a:xfrm>
+            <a:off x="787400" y="1219200"/>
+            <a:ext cx="6883400" cy="707886"/>
+          </a:xfrm>
+          <a:prstGeom prst="rect">
+            <a:avLst/>
+          </a:prstGeom>
+          <a:noFill/>
+        </p:spPr>
+        <p:txBody>
+          <a:bodyPr wrap="square" rtlCol="0">
+            <a:spAutoFit/>
+          </a:bodyPr>
+          <a:lstStyle/>
+          <a:p>
+            <a:r>
+              <a:rPr lang="en-IN" sz="4000" dirty="0" smtClean="0">
+                <a:ln w="0"/>
+                <a:gradFill>
+                  <a:gsLst>
+                    <a:gs pos="21000">
+                      <a:srgbClr val="53575C"/>
+                    </a:gs>
+                    <a:gs pos="88000">
+                      <a:srgbClr val="C5C7CA"/>
+                    </a:gs>
+                  </a:gsLst>
+                  <a:lin ang="5400000"/>
+                </a:gradFill>
+                <a:latin typeface="+mj-lt"/>
+              </a:rPr>
+              <a:t>PyChess – Chess using PyGame</a:t>
+            </a:r>
+            <a:endParaRPr lang="en-IN" sz="4000" dirty="0">
+              <a:ln w="0"/>
+              <a:gradFill>
+                <a:gsLst>
+                  <a:gs pos="21000">
+                    <a:srgbClr val="53575C"/>
+                  </a:gs>
+                  <a:gs pos="88000">
+                    <a:srgbClr val="C5C7CA"/>
+                  </a:gs>
+                </a:gsLst>
+                <a:lin ang="5400000"/>
+              </a:gradFill>
+              <a:latin typeface="+mj-lt"/>
+            </a:endParaRPr>
+          </a:p>
+        </p:txBody>
+      </p:sp>
     </p:spTree>
     <p:extLst>
       <p:ext uri="{BB962C8B-B14F-4D97-AF65-F5344CB8AC3E}">
         <p14:creationId xmlns:p14="http://schemas.microsoft.com/office/powerpoint/2010/main" val="194203728"/>
+      </p:ext>
+    </p:extLst>
+  </p:cSld>
+  <p:clrMapOvr>
+    <a:masterClrMapping/>
+  </p:clrMapOvr>
+  <p:timing>
+    <p:tnLst>
+      <p:par>
+        <p:cTn id="1" dur="indefinite" restart="never" nodeType="tmRoot"/>
+      </p:par>
+    </p:tnLst>
+  </p:timing>
+</p:sld>
+</file>
+
+<file path=ppt/slides/slide10.xml><?xml version="1.0" encoding="utf-8"?>
+<p:sld xmlns:a="http://schemas.openxmlformats.org/drawingml/2006/main" xmlns:r="http://schemas.openxmlformats.org/officeDocument/2006/relationships" xmlns:p="http://schemas.openxmlformats.org/presentationml/2006/main">
+  <p:cSld>
+    <p:spTree>
+      <p:nvGrpSpPr>
+        <p:cNvPr id="1" name=""/>
+        <p:cNvGrpSpPr/>
+        <p:nvPr/>
+      </p:nvGrpSpPr>
+      <p:grpSpPr>
+        <a:xfrm>
+          <a:off x="0" y="0"/>
+          <a:ext cx="0" cy="0"/>
+          <a:chOff x="0" y="0"/>
+          <a:chExt cx="0" cy="0"/>
+        </a:xfrm>
+      </p:grpSpPr>
+      <p:sp>
+        <p:nvSpPr>
+          <p:cNvPr id="2" name="Title 1"/>
+          <p:cNvSpPr>
+            <a:spLocks noGrp="1"/>
+          </p:cNvSpPr>
+          <p:nvPr>
+            <p:ph type="title"/>
+          </p:nvPr>
+        </p:nvSpPr>
+        <p:spPr/>
+        <p:txBody>
+          <a:bodyPr/>
+          <a:lstStyle/>
+          <a:p>
+            <a:pPr algn="ctr"/>
+            <a:r>
+              <a:rPr lang="en-IN" dirty="0" smtClean="0"/>
+              <a:t>User-Defined Functions</a:t>
+            </a:r>
+            <a:endParaRPr lang="en-IN" dirty="0"/>
+          </a:p>
+        </p:txBody>
+      </p:sp>
+      <p:sp>
+        <p:nvSpPr>
+          <p:cNvPr id="3" name="Content Placeholder 2"/>
+          <p:cNvSpPr>
+            <a:spLocks noGrp="1"/>
+          </p:cNvSpPr>
+          <p:nvPr>
+            <p:ph idx="1"/>
+          </p:nvPr>
+        </p:nvSpPr>
+        <p:spPr>
+          <a:xfrm>
+            <a:off x="838200" y="1803400"/>
+            <a:ext cx="10515600" cy="4622800"/>
+          </a:xfrm>
+        </p:spPr>
+        <p:txBody>
+          <a:bodyPr/>
+          <a:lstStyle/>
+          <a:p>
+            <a:r>
+              <a:rPr lang="en-IN" dirty="0"/>
+              <a:t>distance_formula(pos1, pos2</a:t>
+            </a:r>
+            <a:r>
+              <a:rPr lang="en-IN" dirty="0" smtClean="0"/>
+              <a:t>) – calculate distance between two 						    points on the board</a:t>
+            </a:r>
+          </a:p>
+          <a:p>
+            <a:pPr marL="0" indent="0">
+              <a:buNone/>
+            </a:pPr>
+            <a:endParaRPr lang="en-IN" dirty="0" smtClean="0"/>
+          </a:p>
+          <a:p>
+            <a:pPr marL="0" indent="0">
+              <a:buNone/>
+            </a:pPr>
+            <a:endParaRPr lang="en-IN" dirty="0" smtClean="0"/>
+          </a:p>
+          <a:p>
+            <a:r>
+              <a:rPr lang="en-IN" dirty="0" smtClean="0"/>
+              <a:t>isfarther(start</a:t>
+            </a:r>
+            <a:r>
+              <a:rPr lang="en-IN" dirty="0"/>
+              <a:t>, pos1, pos2</a:t>
+            </a:r>
+            <a:r>
+              <a:rPr lang="en-IN" dirty="0" smtClean="0"/>
+              <a:t>) – get the point farthest from start</a:t>
+            </a:r>
+            <a:endParaRPr lang="en-IN" dirty="0"/>
+          </a:p>
+          <a:p>
+            <a:endParaRPr lang="en-IN" dirty="0" smtClean="0"/>
+          </a:p>
+          <a:p>
+            <a:endParaRPr lang="en-IN" dirty="0" smtClean="0"/>
+          </a:p>
+          <a:p>
+            <a:r>
+              <a:rPr lang="en-IN" dirty="0" smtClean="0"/>
+              <a:t>nearest_piece(position</a:t>
+            </a:r>
+            <a:r>
+              <a:rPr lang="en-IN" dirty="0"/>
+              <a:t>, </a:t>
+            </a:r>
+            <a:r>
+              <a:rPr lang="en-IN" dirty="0" smtClean="0"/>
+              <a:t>listofPieces) – calculate nearest piece from a 						   given point</a:t>
+            </a:r>
+            <a:endParaRPr lang="en-IN" dirty="0"/>
+          </a:p>
+        </p:txBody>
+      </p:sp>
+    </p:spTree>
+    <p:extLst>
+      <p:ext uri="{BB962C8B-B14F-4D97-AF65-F5344CB8AC3E}">
+        <p14:creationId xmlns:p14="http://schemas.microsoft.com/office/powerpoint/2010/main" val="1551318343"/>
+      </p:ext>
+    </p:extLst>
+  </p:cSld>
+  <p:clrMapOvr>
+    <a:masterClrMapping/>
+  </p:clrMapOvr>
+  <p:timing>
+    <p:tnLst>
+      <p:par>
+        <p:cTn id="1" dur="indefinite" restart="never" nodeType="tmRoot"/>
+      </p:par>
+    </p:tnLst>
+  </p:timing>
+</p:sld>
+</file>
+
+<file path=ppt/slides/slide11.xml><?xml version="1.0" encoding="utf-8"?>
+<p:sld xmlns:a="http://schemas.openxmlformats.org/drawingml/2006/main" xmlns:r="http://schemas.openxmlformats.org/officeDocument/2006/relationships" xmlns:p="http://schemas.openxmlformats.org/presentationml/2006/main">
+  <p:cSld>
+    <p:spTree>
+      <p:nvGrpSpPr>
+        <p:cNvPr id="1" name=""/>
+        <p:cNvGrpSpPr/>
+        <p:nvPr/>
+      </p:nvGrpSpPr>
+      <p:grpSpPr>
+        <a:xfrm>
+          <a:off x="0" y="0"/>
+          <a:ext cx="0" cy="0"/>
+          <a:chOff x="0" y="0"/>
+          <a:chExt cx="0" cy="0"/>
+        </a:xfrm>
+      </p:grpSpPr>
+      <p:pic>
+        <p:nvPicPr>
+          <p:cNvPr id="3" name="Picture 2"/>
+          <p:cNvPicPr>
+            <a:picLocks noChangeAspect="1"/>
+          </p:cNvPicPr>
+          <p:nvPr/>
+        </p:nvPicPr>
+        <p:blipFill>
+          <a:blip r:embed="rId2">
+            <a:extLst>
+              <a:ext uri="{28A0092B-C50C-407E-A947-70E740481C1C}">
+                <a14:useLocalDpi xmlns:a14="http://schemas.microsoft.com/office/drawing/2010/main" val="0"/>
+              </a:ext>
+            </a:extLst>
+          </a:blip>
+          <a:stretch>
+            <a:fillRect/>
+          </a:stretch>
+        </p:blipFill>
+        <p:spPr>
+          <a:xfrm>
+            <a:off x="-13" y="0"/>
+            <a:ext cx="12192013" cy="6888575"/>
+          </a:xfrm>
+          <a:prstGeom prst="rect">
+            <a:avLst/>
+          </a:prstGeom>
+        </p:spPr>
+      </p:pic>
+    </p:spTree>
+    <p:extLst>
+      <p:ext uri="{BB962C8B-B14F-4D97-AF65-F5344CB8AC3E}">
+        <p14:creationId xmlns:p14="http://schemas.microsoft.com/office/powerpoint/2010/main" val="2773863182"/>
+      </p:ext>
+    </p:extLst>
+  </p:cSld>
+  <p:clrMapOvr>
+    <a:masterClrMapping/>
+  </p:clrMapOvr>
+  <p:timing>
+    <p:tnLst>
+      <p:par>
+        <p:cTn id="1" dur="indefinite" restart="never" nodeType="tmRoot"/>
+      </p:par>
+    </p:tnLst>
+  </p:timing>
+</p:sld>
+</file>
+
+<file path=ppt/slides/slide12.xml><?xml version="1.0" encoding="utf-8"?>
+<p:sld xmlns:a="http://schemas.openxmlformats.org/drawingml/2006/main" xmlns:r="http://schemas.openxmlformats.org/officeDocument/2006/relationships" xmlns:p="http://schemas.openxmlformats.org/presentationml/2006/main">
+  <p:cSld>
+    <p:spTree>
+      <p:nvGrpSpPr>
+        <p:cNvPr id="1" name=""/>
+        <p:cNvGrpSpPr/>
+        <p:nvPr/>
+      </p:nvGrpSpPr>
+      <p:grpSpPr>
+        <a:xfrm>
+          <a:off x="0" y="0"/>
+          <a:ext cx="0" cy="0"/>
+          <a:chOff x="0" y="0"/>
+          <a:chExt cx="0" cy="0"/>
+        </a:xfrm>
+      </p:grpSpPr>
+      <p:sp>
+        <p:nvSpPr>
+          <p:cNvPr id="2" name="TextBox 1"/>
+          <p:cNvSpPr txBox="1"/>
+          <p:nvPr/>
+        </p:nvSpPr>
+        <p:spPr>
+          <a:xfrm>
+            <a:off x="4279900" y="2400300"/>
+            <a:ext cx="3644900" cy="1107996"/>
+          </a:xfrm>
+          <a:prstGeom prst="rect">
+            <a:avLst/>
+          </a:prstGeom>
+          <a:noFill/>
+        </p:spPr>
+        <p:txBody>
+          <a:bodyPr wrap="square" rtlCol="0">
+            <a:spAutoFit/>
+          </a:bodyPr>
+          <a:lstStyle/>
+          <a:p>
+            <a:r>
+              <a:rPr lang="en-IN" sz="6600" dirty="0" smtClean="0"/>
+              <a:t>	  </a:t>
+            </a:r>
+            <a:r>
+              <a:rPr lang="en-IN" sz="6600" dirty="0" smtClean="0">
+                <a:sym typeface="Wingdings" panose="05000000000000000000" pitchFamily="2" charset="2"/>
+              </a:rPr>
+              <a:t></a:t>
+            </a:r>
+            <a:endParaRPr lang="en-IN" sz="6600" dirty="0"/>
+          </a:p>
+        </p:txBody>
+      </p:sp>
+    </p:spTree>
+    <p:extLst>
+      <p:ext uri="{BB962C8B-B14F-4D97-AF65-F5344CB8AC3E}">
+        <p14:creationId xmlns:p14="http://schemas.microsoft.com/office/powerpoint/2010/main" val="3875621644"/>
       </p:ext>
     </p:extLst>
   </p:cSld>
@@ -3029,14 +3400,19 @@
             <p:ph type="title"/>
           </p:nvPr>
         </p:nvSpPr>
-        <p:spPr/>
+        <p:spPr>
+          <a:xfrm>
+            <a:off x="482600" y="327025"/>
+            <a:ext cx="10515600" cy="1325563"/>
+          </a:xfrm>
+        </p:spPr>
         <p:txBody>
           <a:bodyPr/>
           <a:lstStyle/>
           <a:p>
             <a:r>
               <a:rPr lang="en-IN" dirty="0" smtClean="0"/>
-              <a:t>System Requirements</a:t>
+              <a:t>Chess – About the Game</a:t>
             </a:r>
             <a:endParaRPr lang="en-IN" dirty="0"/>
           </a:p>
@@ -3052,53 +3428,157 @@
             <p:ph idx="1"/>
           </p:nvPr>
         </p:nvSpPr>
-        <p:spPr/>
-        <p:txBody>
-          <a:bodyPr/>
-          <a:lstStyle/>
-          <a:p>
-            <a:r>
-              <a:rPr lang="en-IN" dirty="0" smtClean="0"/>
-              <a:t>Python 3</a:t>
-            </a:r>
-          </a:p>
-          <a:p>
-            <a:pPr lvl="1"/>
-            <a:r>
-              <a:rPr lang="en-IN" dirty="0" err="1"/>
-              <a:t>p</a:t>
-            </a:r>
-            <a:r>
-              <a:rPr lang="en-IN" dirty="0" err="1" smtClean="0"/>
-              <a:t>ygame</a:t>
-            </a:r>
-            <a:endParaRPr lang="en-IN" dirty="0" smtClean="0"/>
-          </a:p>
-          <a:p>
-            <a:pPr lvl="1"/>
-            <a:r>
-              <a:rPr lang="en-IN" dirty="0"/>
-              <a:t>m</a:t>
-            </a:r>
-            <a:r>
-              <a:rPr lang="en-IN" dirty="0" smtClean="0"/>
-              <a:t>ath</a:t>
-            </a:r>
-          </a:p>
-          <a:p>
-            <a:pPr lvl="1"/>
-            <a:r>
-              <a:rPr lang="en-IN" dirty="0" smtClean="0"/>
-              <a:t>sys</a:t>
-            </a:r>
-            <a:endParaRPr lang="en-IN" dirty="0"/>
-          </a:p>
-        </p:txBody>
-      </p:sp>
+        <p:spPr>
+          <a:xfrm>
+            <a:off x="838200" y="1825625"/>
+            <a:ext cx="5041900" cy="4351338"/>
+          </a:xfrm>
+        </p:spPr>
+        <p:txBody>
+          <a:bodyPr>
+            <a:normAutofit/>
+          </a:bodyPr>
+          <a:lstStyle/>
+          <a:p>
+            <a:pPr marL="0" indent="0" algn="just">
+              <a:buNone/>
+            </a:pPr>
+            <a:r>
+              <a:rPr lang="en-IN" sz="2000" dirty="0">
+                <a:cs typeface="Times New Roman" panose="02020603050405020304" pitchFamily="18" charset="0"/>
+              </a:rPr>
+              <a:t>Chess is a two-player strategy board game played on a chessboard, a checkered </a:t>
+            </a:r>
+            <a:r>
+              <a:rPr lang="en-IN" sz="2000" dirty="0" smtClean="0">
+                <a:cs typeface="Times New Roman" panose="02020603050405020304" pitchFamily="18" charset="0"/>
+              </a:rPr>
+              <a:t>game board </a:t>
+            </a:r>
+            <a:r>
+              <a:rPr lang="en-IN" sz="2000" dirty="0">
+                <a:cs typeface="Times New Roman" panose="02020603050405020304" pitchFamily="18" charset="0"/>
+              </a:rPr>
+              <a:t>with 64 squares arranged in an 8×8 grid</a:t>
+            </a:r>
+            <a:r>
+              <a:rPr lang="en-IN" sz="2000" dirty="0" smtClean="0">
+                <a:cs typeface="Times New Roman" panose="02020603050405020304" pitchFamily="18" charset="0"/>
+              </a:rPr>
+              <a:t>.</a:t>
+            </a:r>
+            <a:r>
+              <a:rPr lang="en-IN" sz="2000" dirty="0">
+                <a:cs typeface="Times New Roman" panose="02020603050405020304" pitchFamily="18" charset="0"/>
+              </a:rPr>
+              <a:t> The game is played by millions of people worldwide</a:t>
+            </a:r>
+            <a:r>
+              <a:rPr lang="en-IN" sz="2000" dirty="0" smtClean="0">
+                <a:cs typeface="Times New Roman" panose="02020603050405020304" pitchFamily="18" charset="0"/>
+              </a:rPr>
+              <a:t>.</a:t>
+            </a:r>
+          </a:p>
+          <a:p>
+            <a:pPr marL="0" indent="0" algn="just">
+              <a:buNone/>
+            </a:pPr>
+            <a:r>
+              <a:rPr lang="en-IN" sz="2000" dirty="0">
+                <a:cs typeface="Times New Roman" panose="02020603050405020304" pitchFamily="18" charset="0"/>
+              </a:rPr>
+              <a:t>Each player begins with 16 pieces: one king, one queen, two rooks, two knights, two bishops, and eight pawns. </a:t>
+            </a:r>
+            <a:endParaRPr lang="en-IN" sz="2000" dirty="0" smtClean="0">
+              <a:cs typeface="Times New Roman" panose="02020603050405020304" pitchFamily="18" charset="0"/>
+            </a:endParaRPr>
+          </a:p>
+          <a:p>
+            <a:pPr marL="0" indent="0" algn="just">
+              <a:buNone/>
+            </a:pPr>
+            <a:r>
+              <a:rPr lang="en-IN" sz="2000" dirty="0" smtClean="0">
+                <a:cs typeface="Times New Roman" panose="02020603050405020304" pitchFamily="18" charset="0"/>
+              </a:rPr>
+              <a:t>Each </a:t>
+            </a:r>
+            <a:r>
+              <a:rPr lang="en-IN" sz="2000" dirty="0">
+                <a:cs typeface="Times New Roman" panose="02020603050405020304" pitchFamily="18" charset="0"/>
+              </a:rPr>
+              <a:t>of the six piece types moves differently, with the most powerful being the queen and the least powerful the pawn. </a:t>
+            </a:r>
+            <a:endParaRPr lang="en-IN" sz="2000" dirty="0" smtClean="0">
+              <a:cs typeface="Times New Roman" panose="02020603050405020304" pitchFamily="18" charset="0"/>
+            </a:endParaRPr>
+          </a:p>
+          <a:p>
+            <a:pPr marL="0" indent="0" algn="just">
+              <a:buNone/>
+            </a:pPr>
+            <a:r>
+              <a:rPr lang="en-IN" sz="2000" dirty="0" smtClean="0">
+                <a:cs typeface="Times New Roman" panose="02020603050405020304" pitchFamily="18" charset="0"/>
+              </a:rPr>
+              <a:t>The </a:t>
+            </a:r>
+            <a:r>
+              <a:rPr lang="en-IN" sz="2000" dirty="0">
+                <a:cs typeface="Times New Roman" panose="02020603050405020304" pitchFamily="18" charset="0"/>
+              </a:rPr>
+              <a:t>objective is to </a:t>
+            </a:r>
+            <a:r>
+              <a:rPr lang="en-IN" sz="2000" dirty="0" smtClean="0">
+                <a:cs typeface="Times New Roman" panose="02020603050405020304" pitchFamily="18" charset="0"/>
+              </a:rPr>
+              <a:t>checkmate the </a:t>
+            </a:r>
+            <a:r>
+              <a:rPr lang="en-IN" sz="2000" dirty="0">
+                <a:cs typeface="Times New Roman" panose="02020603050405020304" pitchFamily="18" charset="0"/>
+              </a:rPr>
+              <a:t>opponent's king by placing it under an inescapable threat of capture.</a:t>
+            </a:r>
+          </a:p>
+        </p:txBody>
+      </p:sp>
+      <p:pic>
+        <p:nvPicPr>
+          <p:cNvPr id="4" name="Picture 3"/>
+          <p:cNvPicPr>
+            <a:picLocks noChangeAspect="1"/>
+          </p:cNvPicPr>
+          <p:nvPr/>
+        </p:nvPicPr>
+        <p:blipFill>
+          <a:blip r:embed="rId2">
+            <a:extLst>
+              <a:ext uri="{28A0092B-C50C-407E-A947-70E740481C1C}">
+                <a14:useLocalDpi xmlns:a14="http://schemas.microsoft.com/office/drawing/2010/main" val="0"/>
+              </a:ext>
+            </a:extLst>
+          </a:blip>
+          <a:stretch>
+            <a:fillRect/>
+          </a:stretch>
+        </p:blipFill>
+        <p:spPr>
+          <a:xfrm>
+            <a:off x="6692244" y="683769"/>
+            <a:ext cx="5213339" cy="5399531"/>
+          </a:xfrm>
+          <a:prstGeom prst="rect">
+            <a:avLst/>
+          </a:prstGeom>
+        </p:spPr>
+      </p:pic>
     </p:spTree>
     <p:extLst>
       <p:ext uri="{BB962C8B-B14F-4D97-AF65-F5344CB8AC3E}">
-        <p14:creationId xmlns:p14="http://schemas.microsoft.com/office/powerpoint/2010/main" val="1788562130"/>
+        <p14:creationId xmlns:p14="http://schemas.microsoft.com/office/powerpoint/2010/main" val="3988154628"/>
       </p:ext>
     </p:extLst>
   </p:cSld>
@@ -3144,164 +3624,76 @@
         </p:nvSpPr>
         <p:spPr/>
         <p:txBody>
-          <a:bodyPr/>
-          <a:lstStyle/>
-          <a:p>
-            <a:r>
-              <a:rPr lang="en-IN" dirty="0" smtClean="0"/>
-              <a:t>Movement of pieces	</a:t>
-            </a:r>
-            <a:endParaRPr lang="en-IN" dirty="0"/>
-          </a:p>
-        </p:txBody>
-      </p:sp>
-      <p:pic>
-        <p:nvPicPr>
-          <p:cNvPr id="4" name="Content Placeholder 3"/>
-          <p:cNvPicPr>
-            <a:picLocks noGrp="1" noChangeAspect="1"/>
-          </p:cNvPicPr>
+          <a:bodyPr>
+            <a:normAutofit/>
+          </a:bodyPr>
+          <a:lstStyle/>
+          <a:p>
+            <a:pPr algn="ctr"/>
+            <a:r>
+              <a:rPr lang="en-IN" sz="5400" dirty="0" smtClean="0"/>
+              <a:t>System </a:t>
+            </a:r>
+            <a:r>
+              <a:rPr lang="en-IN" sz="5400" dirty="0" smtClean="0"/>
+              <a:t>Requirements</a:t>
+            </a:r>
+            <a:endParaRPr lang="en-IN" sz="5400" dirty="0"/>
+          </a:p>
+        </p:txBody>
+      </p:sp>
+      <p:sp>
+        <p:nvSpPr>
+          <p:cNvPr id="3" name="Content Placeholder 2"/>
+          <p:cNvSpPr>
+            <a:spLocks noGrp="1"/>
+          </p:cNvSpPr>
           <p:nvPr>
             <p:ph idx="1"/>
           </p:nvPr>
-        </p:nvPicPr>
-        <p:blipFill>
-          <a:blip r:embed="rId2">
-            <a:extLst>
-              <a:ext uri="{28A0092B-C50C-407E-A947-70E740481C1C}">
-                <a14:useLocalDpi xmlns:a14="http://schemas.microsoft.com/office/drawing/2010/main" val="0"/>
-              </a:ext>
-            </a:extLst>
-          </a:blip>
-          <a:stretch>
-            <a:fillRect/>
-          </a:stretch>
-        </p:blipFill>
+        </p:nvSpPr>
         <p:spPr>
           <a:xfrm>
-            <a:off x="1136072" y="1690687"/>
-            <a:ext cx="3283528" cy="3135745"/>
+            <a:off x="977900" y="1690688"/>
+            <a:ext cx="10375900" cy="4486275"/>
           </a:xfrm>
         </p:spPr>
-      </p:pic>
-      <p:pic>
-        <p:nvPicPr>
-          <p:cNvPr id="5" name="Picture 4"/>
-          <p:cNvPicPr>
-            <a:picLocks noChangeAspect="1"/>
-          </p:cNvPicPr>
-          <p:nvPr/>
-        </p:nvPicPr>
-        <p:blipFill>
-          <a:blip r:embed="rId3">
-            <a:extLst>
-              <a:ext uri="{28A0092B-C50C-407E-A947-70E740481C1C}">
-                <a14:useLocalDpi xmlns:a14="http://schemas.microsoft.com/office/drawing/2010/main" val="0"/>
-              </a:ext>
-            </a:extLst>
-          </a:blip>
-          <a:stretch>
-            <a:fillRect/>
-          </a:stretch>
-        </p:blipFill>
-        <p:spPr>
-          <a:xfrm>
-            <a:off x="6908800" y="1690686"/>
-            <a:ext cx="3232150" cy="3135745"/>
-          </a:xfrm>
-          <a:prstGeom prst="rect">
-            <a:avLst/>
-          </a:prstGeom>
-        </p:spPr>
-      </p:pic>
-      <p:sp>
-        <p:nvSpPr>
-          <p:cNvPr id="6" name="TextBox 5"/>
-          <p:cNvSpPr txBox="1"/>
-          <p:nvPr/>
-        </p:nvSpPr>
-        <p:spPr>
-          <a:xfrm>
-            <a:off x="1136072" y="5351165"/>
-            <a:ext cx="4134428" cy="923330"/>
-          </a:xfrm>
-          <a:prstGeom prst="rect">
-            <a:avLst/>
-          </a:prstGeom>
-          <a:noFill/>
-        </p:spPr>
-        <p:txBody>
-          <a:bodyPr wrap="square" rtlCol="0">
-            <a:spAutoFit/>
-          </a:bodyPr>
-          <a:lstStyle/>
-          <a:p>
+        <p:txBody>
+          <a:bodyPr/>
+          <a:lstStyle/>
+          <a:p>
+            <a:pPr marL="0" indent="0" algn="ctr">
+              <a:buNone/>
+            </a:pPr>
+            <a:endParaRPr lang="en-IN" dirty="0" smtClean="0"/>
+          </a:p>
+          <a:p>
+            <a:pPr marL="0" indent="0" algn="ctr">
+              <a:buNone/>
+            </a:pPr>
+            <a:endParaRPr lang="en-IN" dirty="0"/>
+          </a:p>
+          <a:p>
+            <a:pPr marL="0" indent="0" algn="ctr">
+              <a:buNone/>
+            </a:pPr>
+            <a:endParaRPr lang="en-IN" dirty="0" smtClean="0"/>
+          </a:p>
+          <a:p>
+            <a:pPr marL="0" indent="0" algn="ctr">
+              <a:buNone/>
+            </a:pPr>
             <a:r>
               <a:rPr lang="en-IN" dirty="0" smtClean="0"/>
-              <a:t>King</a:t>
-            </a:r>
-          </a:p>
-          <a:p>
-            <a:r>
-              <a:rPr lang="en-IN" dirty="0" smtClean="0"/>
-              <a:t>Angles of Movements: 0, 45, 90, … , 315</a:t>
-            </a:r>
-          </a:p>
-          <a:p>
-            <a:r>
-              <a:rPr lang="en-IN" dirty="0" smtClean="0"/>
-              <a:t>Distance: 1 block</a:t>
-            </a:r>
-            <a:endParaRPr lang="en-IN" dirty="0"/>
-          </a:p>
-        </p:txBody>
-      </p:sp>
-      <p:sp>
-        <p:nvSpPr>
-          <p:cNvPr id="7" name="TextBox 6"/>
-          <p:cNvSpPr txBox="1"/>
-          <p:nvPr/>
-        </p:nvSpPr>
-        <p:spPr>
-          <a:xfrm>
-            <a:off x="6908800" y="5381030"/>
-            <a:ext cx="4140200" cy="923330"/>
-          </a:xfrm>
-          <a:prstGeom prst="rect">
-            <a:avLst/>
-          </a:prstGeom>
-          <a:noFill/>
-        </p:spPr>
-        <p:txBody>
-          <a:bodyPr wrap="square" rtlCol="0">
-            <a:spAutoFit/>
-          </a:bodyPr>
-          <a:lstStyle/>
-          <a:p>
-            <a:r>
-              <a:rPr lang="en-IN" dirty="0" smtClean="0"/>
-              <a:t>Queen</a:t>
-            </a:r>
-          </a:p>
-          <a:p>
-            <a:r>
-              <a:rPr lang="en-IN" dirty="0" smtClean="0"/>
-              <a:t>Angles of Movements: 0, 45, 90, … , 315</a:t>
-            </a:r>
-          </a:p>
-          <a:p>
-            <a:r>
-              <a:rPr lang="en-IN" dirty="0" smtClean="0"/>
-              <a:t>Distance: No Limit</a:t>
-            </a:r>
-            <a:endParaRPr lang="en-IN" dirty="0"/>
+              <a:t>Python3 with module - PyGame</a:t>
+            </a:r>
           </a:p>
         </p:txBody>
       </p:sp>
     </p:spTree>
     <p:extLst>
       <p:ext uri="{BB962C8B-B14F-4D97-AF65-F5344CB8AC3E}">
-        <p14:creationId xmlns:p14="http://schemas.microsoft.com/office/powerpoint/2010/main" val="911921860"/>
+        <p14:creationId xmlns:p14="http://schemas.microsoft.com/office/powerpoint/2010/main" val="1788562130"/>
       </p:ext>
     </p:extLst>
   </p:cSld>
@@ -3350,9 +3742,14 @@
           <a:bodyPr/>
           <a:lstStyle/>
           <a:p>
+            <a:pPr algn="ctr"/>
             <a:r>
               <a:rPr lang="en-IN" dirty="0" smtClean="0"/>
-              <a:t>Movement of pieces	</a:t>
+              <a:t>  Movement </a:t>
+            </a:r>
+            <a:r>
+              <a:rPr lang="en-IN" dirty="0" smtClean="0"/>
+              <a:t>of pieces	</a:t>
             </a:r>
             <a:endParaRPr lang="en-IN" dirty="0"/>
           </a:p>
@@ -3360,7 +3757,7 @@
       </p:sp>
       <p:pic>
         <p:nvPicPr>
-          <p:cNvPr id="8" name="Content Placeholder 7"/>
+          <p:cNvPr id="4" name="Content Placeholder 3"/>
           <p:cNvPicPr>
             <a:picLocks noGrp="1" noChangeAspect="1"/>
           </p:cNvPicPr>
@@ -3382,138 +3779,14 @@
         </p:blipFill>
         <p:spPr>
           <a:xfrm>
-            <a:off x="1136072" y="1690687"/>
-            <a:ext cx="3280569" cy="3135745"/>
+            <a:off x="1561522" y="1690686"/>
+            <a:ext cx="3283528" cy="3135745"/>
           </a:xfrm>
         </p:spPr>
       </p:pic>
-      <p:sp>
-        <p:nvSpPr>
-          <p:cNvPr id="6" name="TextBox 5"/>
-          <p:cNvSpPr txBox="1"/>
-          <p:nvPr/>
-        </p:nvSpPr>
-        <p:spPr>
-          <a:xfrm>
-            <a:off x="1136072" y="5351165"/>
-            <a:ext cx="4451928" cy="1231106"/>
-          </a:xfrm>
-          <a:prstGeom prst="rect">
-            <a:avLst/>
-          </a:prstGeom>
-          <a:noFill/>
-        </p:spPr>
-        <p:txBody>
-          <a:bodyPr wrap="square" rtlCol="0">
-            <a:spAutoFit/>
-          </a:bodyPr>
-          <a:lstStyle/>
-          <a:p>
-            <a:r>
-              <a:rPr lang="en-IN" dirty="0" smtClean="0"/>
-              <a:t>Knight</a:t>
-            </a:r>
-          </a:p>
-          <a:p>
-            <a:r>
-              <a:rPr lang="en-IN" dirty="0" smtClean="0"/>
-              <a:t>Angles of Movements: tan</a:t>
-            </a:r>
-            <a:r>
-              <a:rPr lang="en-IN" sz="2000" baseline="30000" dirty="0" smtClean="0"/>
-              <a:t>-1</a:t>
-            </a:r>
-            <a:r>
-              <a:rPr lang="en-IN" dirty="0" smtClean="0"/>
-              <a:t>(1/2), tan</a:t>
-            </a:r>
-            <a:r>
-              <a:rPr lang="en-IN" sz="2000" baseline="30000" dirty="0" smtClean="0"/>
-              <a:t>-1</a:t>
-            </a:r>
-            <a:r>
-              <a:rPr lang="en-IN" dirty="0" smtClean="0"/>
-              <a:t>(2), … , </a:t>
-            </a:r>
-            <a:r>
-              <a:rPr lang="en-IN" dirty="0" smtClean="0"/>
-              <a:t>		      tan</a:t>
-            </a:r>
-            <a:r>
-              <a:rPr lang="en-IN" sz="2000" baseline="30000" dirty="0" smtClean="0"/>
-              <a:t>-1</a:t>
-            </a:r>
-            <a:r>
-              <a:rPr lang="en-IN" dirty="0" smtClean="0"/>
-              <a:t>(-1/2), tan</a:t>
-            </a:r>
-            <a:r>
-              <a:rPr lang="en-IN" sz="2000" baseline="30000" dirty="0" smtClean="0"/>
-              <a:t>-1</a:t>
-            </a:r>
-            <a:r>
-              <a:rPr lang="en-IN" dirty="0" smtClean="0"/>
-              <a:t>(-2)</a:t>
-            </a:r>
-          </a:p>
-          <a:p>
-            <a:r>
-              <a:rPr lang="en-IN" dirty="0" smtClean="0"/>
-              <a:t>Distance: </a:t>
-            </a:r>
-            <a:r>
-              <a:rPr lang="en-IN" dirty="0" smtClean="0"/>
-              <a:t>2 blocks</a:t>
-            </a:r>
-            <a:endParaRPr lang="en-IN" dirty="0"/>
-          </a:p>
-        </p:txBody>
-      </p:sp>
-      <p:sp>
-        <p:nvSpPr>
-          <p:cNvPr id="7" name="TextBox 6"/>
-          <p:cNvSpPr txBox="1"/>
-          <p:nvPr/>
-        </p:nvSpPr>
-        <p:spPr>
-          <a:xfrm>
-            <a:off x="6908800" y="5381030"/>
-            <a:ext cx="4140200" cy="923330"/>
-          </a:xfrm>
-          <a:prstGeom prst="rect">
-            <a:avLst/>
-          </a:prstGeom>
-          <a:noFill/>
-        </p:spPr>
-        <p:txBody>
-          <a:bodyPr wrap="square" rtlCol="0">
-            <a:spAutoFit/>
-          </a:bodyPr>
-          <a:lstStyle/>
-          <a:p>
-            <a:r>
-              <a:rPr lang="en-IN" dirty="0" smtClean="0"/>
-              <a:t>Bishop</a:t>
-            </a:r>
-          </a:p>
-          <a:p>
-            <a:r>
-              <a:rPr lang="en-IN" dirty="0" smtClean="0"/>
-              <a:t>Angles of Movements: 45, 135, 225, 315</a:t>
-            </a:r>
-          </a:p>
-          <a:p>
-            <a:r>
-              <a:rPr lang="en-IN" dirty="0" smtClean="0"/>
-              <a:t>Distance: No Limit</a:t>
-            </a:r>
-            <a:endParaRPr lang="en-IN" dirty="0"/>
-          </a:p>
-        </p:txBody>
-      </p:sp>
       <p:pic>
         <p:nvPicPr>
-          <p:cNvPr id="9" name="Picture 8"/>
+          <p:cNvPr id="5" name="Picture 4"/>
           <p:cNvPicPr>
             <a:picLocks noChangeAspect="1"/>
           </p:cNvPicPr>
@@ -3533,18 +3806,109 @@
         </p:blipFill>
         <p:spPr>
           <a:xfrm>
-            <a:off x="6908800" y="1690688"/>
-            <a:ext cx="3276599" cy="3135744"/>
+            <a:off x="7362825" y="1690686"/>
+            <a:ext cx="3232150" cy="3135745"/>
           </a:xfrm>
           <a:prstGeom prst="rect">
             <a:avLst/>
           </a:prstGeom>
         </p:spPr>
       </p:pic>
+      <p:sp>
+        <p:nvSpPr>
+          <p:cNvPr id="6" name="TextBox 5"/>
+          <p:cNvSpPr txBox="1"/>
+          <p:nvPr/>
+        </p:nvSpPr>
+        <p:spPr>
+          <a:xfrm>
+            <a:off x="1136072" y="5381030"/>
+            <a:ext cx="4134428" cy="1015663"/>
+          </a:xfrm>
+          <a:prstGeom prst="rect">
+            <a:avLst/>
+          </a:prstGeom>
+          <a:noFill/>
+        </p:spPr>
+        <p:txBody>
+          <a:bodyPr wrap="square" rtlCol="0">
+            <a:spAutoFit/>
+          </a:bodyPr>
+          <a:lstStyle/>
+          <a:p>
+            <a:pPr algn="ctr"/>
+            <a:r>
+              <a:rPr lang="en-IN" sz="2400" b="1" dirty="0" smtClean="0"/>
+              <a:t>King</a:t>
+            </a:r>
+            <a:endParaRPr lang="en-IN" sz="2400" b="1" dirty="0" smtClean="0"/>
+          </a:p>
+          <a:p>
+            <a:pPr algn="ctr"/>
+            <a:r>
+              <a:rPr lang="en-IN" dirty="0" smtClean="0"/>
+              <a:t>Angles of Movements: 0, 45, 90, … , 315</a:t>
+            </a:r>
+          </a:p>
+          <a:p>
+            <a:pPr algn="ctr"/>
+            <a:r>
+              <a:rPr lang="en-IN" dirty="0" smtClean="0"/>
+              <a:t>Distance: 1 block</a:t>
+            </a:r>
+            <a:endParaRPr lang="en-IN" dirty="0"/>
+          </a:p>
+        </p:txBody>
+      </p:sp>
+      <p:sp>
+        <p:nvSpPr>
+          <p:cNvPr id="7" name="TextBox 6"/>
+          <p:cNvSpPr txBox="1"/>
+          <p:nvPr/>
+        </p:nvSpPr>
+        <p:spPr>
+          <a:xfrm>
+            <a:off x="6908800" y="5381030"/>
+            <a:ext cx="4140200" cy="1015663"/>
+          </a:xfrm>
+          <a:prstGeom prst="rect">
+            <a:avLst/>
+          </a:prstGeom>
+          <a:noFill/>
+        </p:spPr>
+        <p:txBody>
+          <a:bodyPr wrap="square" rtlCol="0">
+            <a:spAutoFit/>
+          </a:bodyPr>
+          <a:lstStyle/>
+          <a:p>
+            <a:pPr algn="ctr"/>
+            <a:r>
+              <a:rPr lang="en-IN" sz="2400" b="1" dirty="0" smtClean="0"/>
+              <a:t>Queen</a:t>
+            </a:r>
+          </a:p>
+          <a:p>
+            <a:pPr algn="ctr"/>
+            <a:r>
+              <a:rPr lang="en-IN" dirty="0" smtClean="0"/>
+              <a:t>Angles of Movements: 0, 45, 90, … , 315</a:t>
+            </a:r>
+          </a:p>
+          <a:p>
+            <a:pPr algn="ctr"/>
+            <a:r>
+              <a:rPr lang="en-IN" dirty="0" smtClean="0"/>
+              <a:t>Distance: No Limit</a:t>
+            </a:r>
+            <a:endParaRPr lang="en-IN" dirty="0"/>
+          </a:p>
+        </p:txBody>
+      </p:sp>
     </p:spTree>
     <p:extLst>
       <p:ext uri="{BB962C8B-B14F-4D97-AF65-F5344CB8AC3E}">
-        <p14:creationId xmlns:p14="http://schemas.microsoft.com/office/powerpoint/2010/main" val="3533271491"/>
+        <p14:creationId xmlns:p14="http://schemas.microsoft.com/office/powerpoint/2010/main" val="911921860"/>
       </p:ext>
     </p:extLst>
   </p:cSld>
@@ -3593,9 +3957,14 @@
           <a:bodyPr/>
           <a:lstStyle/>
           <a:p>
+            <a:pPr algn="ctr"/>
             <a:r>
               <a:rPr lang="en-IN" dirty="0" smtClean="0"/>
-              <a:t>Movement of pieces	</a:t>
+              <a:t>  Movement </a:t>
+            </a:r>
+            <a:r>
+              <a:rPr lang="en-IN" dirty="0" smtClean="0"/>
+              <a:t>of pieces	</a:t>
             </a:r>
             <a:endParaRPr lang="en-IN" dirty="0"/>
           </a:p>
@@ -3625,8 +3994,8 @@
         </p:blipFill>
         <p:spPr>
           <a:xfrm>
-            <a:off x="1136072" y="1690688"/>
-            <a:ext cx="3264983" cy="3135745"/>
+            <a:off x="1721751" y="1690687"/>
+            <a:ext cx="3280569" cy="3135745"/>
           </a:xfrm>
         </p:spPr>
       </p:pic>
@@ -3638,8 +4007,8 @@
         </p:nvSpPr>
         <p:spPr>
           <a:xfrm>
-            <a:off x="1136072" y="5351165"/>
-            <a:ext cx="4134428" cy="923330"/>
+            <a:off x="1136071" y="5381030"/>
+            <a:ext cx="4451928" cy="1292662"/>
           </a:xfrm>
           <a:prstGeom prst="rect">
             <a:avLst/>
@@ -3652,30 +4021,72 @@
           </a:bodyPr>
           <a:lstStyle/>
           <a:p>
-            <a:r>
-              <a:rPr lang="en-IN" dirty="0" smtClean="0"/>
-              <a:t>Pawn</a:t>
-            </a:r>
-          </a:p>
-          <a:p>
+            <a:pPr algn="ctr"/>
+            <a:r>
+              <a:rPr lang="en-IN" sz="2400" b="1" dirty="0" smtClean="0"/>
+              <a:t>Knight</a:t>
+            </a:r>
+          </a:p>
+          <a:p>
+            <a:pPr algn="ctr"/>
             <a:r>
               <a:rPr lang="en-IN" dirty="0" smtClean="0"/>
               <a:t>Angles of Movements: </a:t>
             </a:r>
+            <a:endParaRPr lang="en-IN" dirty="0" smtClean="0"/>
+          </a:p>
+          <a:p>
+            <a:pPr algn="ctr"/>
             <a:r>
               <a:rPr lang="en-IN" dirty="0" smtClean="0"/>
-              <a:t>0, 45</a:t>
-            </a:r>
-            <a:endParaRPr lang="en-IN" dirty="0" smtClean="0"/>
-          </a:p>
-          <a:p>
+              <a:t>tan</a:t>
+            </a:r>
+            <a:r>
+              <a:rPr lang="en-IN" sz="2000" baseline="30000" dirty="0" smtClean="0"/>
+              <a:t>-1</a:t>
+            </a:r>
             <a:r>
               <a:rPr lang="en-IN" dirty="0" smtClean="0"/>
-              <a:t>Distance: 1 </a:t>
+              <a:t>(1/2</a:t>
             </a:r>
             <a:r>
               <a:rPr lang="en-IN" dirty="0" smtClean="0"/>
-              <a:t>block / 2 blocks on first move</a:t>
+              <a:t>), </a:t>
+            </a:r>
+            <a:r>
+              <a:rPr lang="en-IN" dirty="0" smtClean="0"/>
+              <a:t>tan</a:t>
+            </a:r>
+            <a:r>
+              <a:rPr lang="en-IN" sz="2000" baseline="30000" dirty="0" smtClean="0"/>
+              <a:t>-1</a:t>
+            </a:r>
+            <a:r>
+              <a:rPr lang="en-IN" dirty="0" smtClean="0"/>
+              <a:t>(2), .., tan</a:t>
+            </a:r>
+            <a:r>
+              <a:rPr lang="en-IN" sz="2000" baseline="30000" dirty="0" smtClean="0"/>
+              <a:t>-1</a:t>
+            </a:r>
+            <a:r>
+              <a:rPr lang="en-IN" dirty="0" smtClean="0"/>
+              <a:t>(-1/2), tan</a:t>
+            </a:r>
+            <a:r>
+              <a:rPr lang="en-IN" sz="2000" baseline="30000" dirty="0" smtClean="0"/>
+              <a:t>-1</a:t>
+            </a:r>
+            <a:r>
+              <a:rPr lang="en-IN" dirty="0" smtClean="0"/>
+              <a:t>(-2)</a:t>
+            </a:r>
+          </a:p>
+          <a:p>
+            <a:pPr algn="ctr"/>
+            <a:r>
+              <a:rPr lang="en-IN" dirty="0" smtClean="0"/>
+              <a:t>Distance: 2 blocks</a:t>
             </a:r>
             <a:endParaRPr lang="en-IN" dirty="0"/>
           </a:p>
@@ -3690,7 +4101,7 @@
         <p:spPr>
           <a:xfrm>
             <a:off x="6908800" y="5381030"/>
-            <a:ext cx="4140200" cy="923330"/>
+            <a:ext cx="4140200" cy="1015663"/>
           </a:xfrm>
           <a:prstGeom prst="rect">
             <a:avLst/>
@@ -3703,23 +4114,21 @@
           </a:bodyPr>
           <a:lstStyle/>
           <a:p>
+            <a:pPr algn="ctr"/>
+            <a:r>
+              <a:rPr lang="en-IN" sz="2400" b="1" dirty="0" smtClean="0"/>
+              <a:t>Bishop</a:t>
+            </a:r>
+          </a:p>
+          <a:p>
+            <a:pPr algn="ctr"/>
             <a:r>
               <a:rPr lang="en-IN" dirty="0" smtClean="0"/>
-              <a:t>Queen</a:t>
-            </a:r>
-          </a:p>
-          <a:p>
-            <a:r>
-              <a:rPr lang="en-IN" dirty="0" smtClean="0"/>
-              <a:t>Angles of Movements: 0, </a:t>
-            </a:r>
-            <a:r>
-              <a:rPr lang="en-IN" dirty="0" smtClean="0"/>
-              <a:t>90, 180, 270</a:t>
-            </a:r>
-            <a:endParaRPr lang="en-IN" dirty="0" smtClean="0"/>
-          </a:p>
-          <a:p>
+              <a:t>Angles of Movements: 45, 135, 225, 315</a:t>
+            </a:r>
+          </a:p>
+          <a:p>
+            <a:pPr algn="ctr"/>
             <a:r>
               <a:rPr lang="en-IN" dirty="0" smtClean="0"/>
               <a:t>Distance: No Limit</a:t>
@@ -3750,8 +4159,8 @@
         </p:blipFill>
         <p:spPr>
           <a:xfrm>
-            <a:off x="6908800" y="1690688"/>
-            <a:ext cx="3238500" cy="3135746"/>
+            <a:off x="7340600" y="1690688"/>
+            <a:ext cx="3276599" cy="3135744"/>
           </a:xfrm>
           <a:prstGeom prst="rect">
             <a:avLst/>
@@ -3761,7 +4170,7 @@
     </p:spTree>
     <p:extLst>
       <p:ext uri="{BB962C8B-B14F-4D97-AF65-F5344CB8AC3E}">
-        <p14:creationId xmlns:p14="http://schemas.microsoft.com/office/powerpoint/2010/main" val="619284063"/>
+        <p14:creationId xmlns:p14="http://schemas.microsoft.com/office/powerpoint/2010/main" val="3533271491"/>
       </p:ext>
     </p:extLst>
   </p:cSld>
@@ -3810,9 +4219,228 @@
           <a:bodyPr/>
           <a:lstStyle/>
           <a:p>
+            <a:pPr algn="ctr"/>
             <a:r>
               <a:rPr lang="en-IN" dirty="0" smtClean="0"/>
-              <a:t>Class Diagram</a:t>
+              <a:t> Movement </a:t>
+            </a:r>
+            <a:r>
+              <a:rPr lang="en-IN" dirty="0" smtClean="0"/>
+              <a:t>of pieces	</a:t>
+            </a:r>
+            <a:endParaRPr lang="en-IN" dirty="0"/>
+          </a:p>
+        </p:txBody>
+      </p:sp>
+      <p:pic>
+        <p:nvPicPr>
+          <p:cNvPr id="8" name="Content Placeholder 7"/>
+          <p:cNvPicPr>
+            <a:picLocks noGrp="1" noChangeAspect="1"/>
+          </p:cNvPicPr>
+          <p:nvPr>
+            <p:ph idx="1"/>
+          </p:nvPr>
+        </p:nvPicPr>
+        <p:blipFill>
+          <a:blip r:embed="rId2">
+            <a:extLst>
+              <a:ext uri="{28A0092B-C50C-407E-A947-70E740481C1C}">
+                <a14:useLocalDpi xmlns:a14="http://schemas.microsoft.com/office/drawing/2010/main" val="0"/>
+              </a:ext>
+            </a:extLst>
+          </a:blip>
+          <a:stretch>
+            <a:fillRect/>
+          </a:stretch>
+        </p:blipFill>
+        <p:spPr>
+          <a:xfrm>
+            <a:off x="1570794" y="1690689"/>
+            <a:ext cx="3264983" cy="3135745"/>
+          </a:xfrm>
+        </p:spPr>
+      </p:pic>
+      <p:sp>
+        <p:nvSpPr>
+          <p:cNvPr id="6" name="TextBox 5"/>
+          <p:cNvSpPr txBox="1"/>
+          <p:nvPr/>
+        </p:nvSpPr>
+        <p:spPr>
+          <a:xfrm>
+            <a:off x="1136072" y="5351165"/>
+            <a:ext cx="4134428" cy="1015663"/>
+          </a:xfrm>
+          <a:prstGeom prst="rect">
+            <a:avLst/>
+          </a:prstGeom>
+          <a:noFill/>
+        </p:spPr>
+        <p:txBody>
+          <a:bodyPr wrap="square" rtlCol="0">
+            <a:spAutoFit/>
+          </a:bodyPr>
+          <a:lstStyle/>
+          <a:p>
+            <a:pPr algn="ctr"/>
+            <a:r>
+              <a:rPr lang="en-IN" sz="2400" b="1" dirty="0" smtClean="0"/>
+              <a:t>Pawn</a:t>
+            </a:r>
+          </a:p>
+          <a:p>
+            <a:pPr algn="ctr"/>
+            <a:r>
+              <a:rPr lang="en-IN" dirty="0" smtClean="0"/>
+              <a:t>Angles of Movements: 0, 45</a:t>
+            </a:r>
+          </a:p>
+          <a:p>
+            <a:pPr algn="ctr"/>
+            <a:r>
+              <a:rPr lang="en-IN" dirty="0" smtClean="0"/>
+              <a:t>Distance: 1 block / 2 blocks on first move</a:t>
+            </a:r>
+            <a:endParaRPr lang="en-IN" dirty="0"/>
+          </a:p>
+        </p:txBody>
+      </p:sp>
+      <p:sp>
+        <p:nvSpPr>
+          <p:cNvPr id="7" name="TextBox 6"/>
+          <p:cNvSpPr txBox="1"/>
+          <p:nvPr/>
+        </p:nvSpPr>
+        <p:spPr>
+          <a:xfrm>
+            <a:off x="6908800" y="5381030"/>
+            <a:ext cx="4140200" cy="1015663"/>
+          </a:xfrm>
+          <a:prstGeom prst="rect">
+            <a:avLst/>
+          </a:prstGeom>
+          <a:noFill/>
+        </p:spPr>
+        <p:txBody>
+          <a:bodyPr wrap="square" rtlCol="0">
+            <a:spAutoFit/>
+          </a:bodyPr>
+          <a:lstStyle/>
+          <a:p>
+            <a:pPr algn="ctr"/>
+            <a:r>
+              <a:rPr lang="en-IN" sz="2400" b="1" dirty="0" smtClean="0"/>
+              <a:t>Queen</a:t>
+            </a:r>
+          </a:p>
+          <a:p>
+            <a:pPr algn="ctr"/>
+            <a:r>
+              <a:rPr lang="en-IN" dirty="0" smtClean="0"/>
+              <a:t>Angles of Movements: 0, 90, 180, 270</a:t>
+            </a:r>
+          </a:p>
+          <a:p>
+            <a:pPr algn="ctr"/>
+            <a:r>
+              <a:rPr lang="en-IN" dirty="0" smtClean="0"/>
+              <a:t>Distance: No Limit</a:t>
+            </a:r>
+            <a:endParaRPr lang="en-IN" dirty="0"/>
+          </a:p>
+        </p:txBody>
+      </p:sp>
+      <p:pic>
+        <p:nvPicPr>
+          <p:cNvPr id="9" name="Picture 8"/>
+          <p:cNvPicPr>
+            <a:picLocks noChangeAspect="1"/>
+          </p:cNvPicPr>
+          <p:nvPr/>
+        </p:nvPicPr>
+        <p:blipFill>
+          <a:blip r:embed="rId3">
+            <a:extLst>
+              <a:ext uri="{28A0092B-C50C-407E-A947-70E740481C1C}">
+                <a14:useLocalDpi xmlns:a14="http://schemas.microsoft.com/office/drawing/2010/main" val="0"/>
+              </a:ext>
+            </a:extLst>
+          </a:blip>
+          <a:stretch>
+            <a:fillRect/>
+          </a:stretch>
+        </p:blipFill>
+        <p:spPr>
+          <a:xfrm>
+            <a:off x="7359650" y="1690688"/>
+            <a:ext cx="3238500" cy="3135746"/>
+          </a:xfrm>
+          <a:prstGeom prst="rect">
+            <a:avLst/>
+          </a:prstGeom>
+        </p:spPr>
+      </p:pic>
+    </p:spTree>
+    <p:extLst>
+      <p:ext uri="{BB962C8B-B14F-4D97-AF65-F5344CB8AC3E}">
+        <p14:creationId xmlns:p14="http://schemas.microsoft.com/office/powerpoint/2010/main" val="619284063"/>
+      </p:ext>
+    </p:extLst>
+  </p:cSld>
+  <p:clrMapOvr>
+    <a:masterClrMapping/>
+  </p:clrMapOvr>
+  <p:timing>
+    <p:tnLst>
+      <p:par>
+        <p:cTn id="1" dur="indefinite" restart="never" nodeType="tmRoot"/>
+      </p:par>
+    </p:tnLst>
+  </p:timing>
+</p:sld>
+</file>
+
+<file path=ppt/slides/slide7.xml><?xml version="1.0" encoding="utf-8"?>
+<p:sld xmlns:a="http://schemas.openxmlformats.org/drawingml/2006/main" xmlns:r="http://schemas.openxmlformats.org/officeDocument/2006/relationships" xmlns:p="http://schemas.openxmlformats.org/presentationml/2006/main">
+  <p:cSld>
+    <p:spTree>
+      <p:nvGrpSpPr>
+        <p:cNvPr id="1" name=""/>
+        <p:cNvGrpSpPr/>
+        <p:nvPr/>
+      </p:nvGrpSpPr>
+      <p:grpSpPr>
+        <a:xfrm>
+          <a:off x="0" y="0"/>
+          <a:ext cx="0" cy="0"/>
+          <a:chOff x="0" y="0"/>
+          <a:chExt cx="0" cy="0"/>
+        </a:xfrm>
+      </p:grpSpPr>
+      <p:sp>
+        <p:nvSpPr>
+          <p:cNvPr id="2" name="Title 1"/>
+          <p:cNvSpPr>
+            <a:spLocks noGrp="1"/>
+          </p:cNvSpPr>
+          <p:nvPr>
+            <p:ph type="title"/>
+          </p:nvPr>
+        </p:nvSpPr>
+        <p:spPr/>
+        <p:txBody>
+          <a:bodyPr/>
+          <a:lstStyle/>
+          <a:p>
+            <a:pPr algn="ctr"/>
+            <a:r>
+              <a:rPr lang="en-IN" dirty="0" smtClean="0"/>
+              <a:t>Class </a:t>
+            </a:r>
+            <a:r>
+              <a:rPr lang="en-IN" dirty="0" smtClean="0"/>
+              <a:t>Diagram – Chess Pieces </a:t>
             </a:r>
             <a:endParaRPr lang="en-IN" dirty="0"/>
           </a:p>
@@ -3867,90 +4495,6 @@
 </p:sld>
 </file>
 
-<file path=ppt/slides/slide7.xml><?xml version="1.0" encoding="utf-8"?>
-<p:sld xmlns:a="http://schemas.openxmlformats.org/drawingml/2006/main" xmlns:r="http://schemas.openxmlformats.org/officeDocument/2006/relationships" xmlns:p="http://schemas.openxmlformats.org/presentationml/2006/main">
-  <p:cSld>
-    <p:spTree>
-      <p:nvGrpSpPr>
-        <p:cNvPr id="1" name=""/>
-        <p:cNvGrpSpPr/>
-        <p:nvPr/>
-      </p:nvGrpSpPr>
-      <p:grpSpPr>
-        <a:xfrm>
-          <a:off x="0" y="0"/>
-          <a:ext cx="0" cy="0"/>
-          <a:chOff x="0" y="0"/>
-          <a:chExt cx="0" cy="0"/>
-        </a:xfrm>
-      </p:grpSpPr>
-      <p:sp>
-        <p:nvSpPr>
-          <p:cNvPr id="2" name="Title 1"/>
-          <p:cNvSpPr>
-            <a:spLocks noGrp="1"/>
-          </p:cNvSpPr>
-          <p:nvPr>
-            <p:ph type="title"/>
-          </p:nvPr>
-        </p:nvSpPr>
-        <p:spPr/>
-        <p:txBody>
-          <a:bodyPr/>
-          <a:lstStyle/>
-          <a:p>
-            <a:r>
-              <a:rPr lang="en-IN" dirty="0" smtClean="0"/>
-              <a:t>Library Functions Used</a:t>
-            </a:r>
-            <a:endParaRPr lang="en-IN" dirty="0"/>
-          </a:p>
-        </p:txBody>
-      </p:sp>
-      <p:sp>
-        <p:nvSpPr>
-          <p:cNvPr id="3" name="Content Placeholder 2"/>
-          <p:cNvSpPr>
-            <a:spLocks noGrp="1"/>
-          </p:cNvSpPr>
-          <p:nvPr>
-            <p:ph idx="1"/>
-          </p:nvPr>
-        </p:nvSpPr>
-        <p:spPr>
-          <a:xfrm>
-            <a:off x="838200" y="1371600"/>
-            <a:ext cx="10515600" cy="4805363"/>
-          </a:xfrm>
-        </p:spPr>
-        <p:txBody>
-          <a:bodyPr/>
-          <a:lstStyle/>
-          <a:p>
-            <a:endParaRPr lang="en-IN" dirty="0"/>
-          </a:p>
-        </p:txBody>
-      </p:sp>
-    </p:spTree>
-    <p:extLst>
-      <p:ext uri="{BB962C8B-B14F-4D97-AF65-F5344CB8AC3E}">
-        <p14:creationId xmlns:p14="http://schemas.microsoft.com/office/powerpoint/2010/main" val="2586307560"/>
-      </p:ext>
-    </p:extLst>
-  </p:cSld>
-  <p:clrMapOvr>
-    <a:masterClrMapping/>
-  </p:clrMapOvr>
-  <p:timing>
-    <p:tnLst>
-      <p:par>
-        <p:cTn id="1" dur="indefinite" restart="never" nodeType="tmRoot"/>
-      </p:par>
-    </p:tnLst>
-  </p:timing>
-</p:sld>
-</file>
-
 <file path=ppt/slides/slide8.xml><?xml version="1.0" encoding="utf-8"?>
 <p:sld xmlns:a="http://schemas.openxmlformats.org/drawingml/2006/main" xmlns:r="http://schemas.openxmlformats.org/officeDocument/2006/relationships" xmlns:p="http://schemas.openxmlformats.org/presentationml/2006/main">
   <p:cSld>
@@ -3985,7 +4529,7 @@
           <a:p>
             <a:r>
               <a:rPr lang="en-IN" dirty="0" smtClean="0"/>
-              <a:t>User-Defined Functions</a:t>
+              <a:t>Library Functions Used</a:t>
             </a:r>
             <a:endParaRPr lang="en-IN" dirty="0"/>
           </a:p>
@@ -4003,120 +4547,13 @@
         </p:nvSpPr>
         <p:spPr>
           <a:xfrm>
-            <a:off x="838200" y="1803400"/>
-            <a:ext cx="10515600" cy="4622800"/>
+            <a:off x="838200" y="1371600"/>
+            <a:ext cx="10515600" cy="4805363"/>
           </a:xfrm>
         </p:spPr>
         <p:txBody>
           <a:bodyPr/>
           <a:lstStyle/>
-          <a:p>
-            <a:r>
-              <a:rPr lang="en-IN" dirty="0" smtClean="0"/>
-              <a:t>game()</a:t>
-            </a:r>
-          </a:p>
-          <a:p>
-            <a:r>
-              <a:rPr lang="en-IN" dirty="0" err="1" smtClean="0"/>
-              <a:t>checkquitgame</a:t>
-            </a:r>
-            <a:r>
-              <a:rPr lang="en-IN" dirty="0" smtClean="0"/>
-              <a:t>()</a:t>
-            </a:r>
-          </a:p>
-          <a:p>
-            <a:r>
-              <a:rPr lang="en-IN" dirty="0" err="1" smtClean="0"/>
-              <a:t>drawboard</a:t>
-            </a:r>
-            <a:r>
-              <a:rPr lang="en-IN" dirty="0" smtClean="0"/>
-              <a:t>(_</a:t>
-            </a:r>
-            <a:r>
-              <a:rPr lang="en-IN" dirty="0" err="1" smtClean="0"/>
-              <a:t>colors</a:t>
-            </a:r>
-            <a:r>
-              <a:rPr lang="en-IN" dirty="0" smtClean="0"/>
-              <a:t>)</a:t>
-            </a:r>
-          </a:p>
-          <a:p>
-            <a:r>
-              <a:rPr lang="en-IN" dirty="0" err="1" smtClean="0"/>
-              <a:t>make_lines</a:t>
-            </a:r>
-            <a:r>
-              <a:rPr lang="en-IN" dirty="0" smtClean="0"/>
-              <a:t>(position, </a:t>
-            </a:r>
-            <a:r>
-              <a:rPr lang="en-IN" dirty="0" err="1" smtClean="0"/>
-              <a:t>positionlist</a:t>
-            </a:r>
-            <a:r>
-              <a:rPr lang="en-IN" dirty="0" smtClean="0"/>
-              <a:t>, </a:t>
-            </a:r>
-            <a:r>
-              <a:rPr lang="en-IN" dirty="0" err="1" smtClean="0"/>
-              <a:t>anglelist</a:t>
-            </a:r>
-            <a:r>
-              <a:rPr lang="en-IN" dirty="0" smtClean="0"/>
-              <a:t>)</a:t>
-            </a:r>
-          </a:p>
-          <a:p>
-            <a:r>
-              <a:rPr lang="en-IN" dirty="0" smtClean="0"/>
-              <a:t>square(x)</a:t>
-            </a:r>
-          </a:p>
-          <a:p>
-            <a:r>
-              <a:rPr lang="en-IN" dirty="0" err="1" smtClean="0"/>
-              <a:t>distance_formula</a:t>
-            </a:r>
-            <a:r>
-              <a:rPr lang="en-IN" dirty="0" smtClean="0"/>
-              <a:t>(pos1, pos2)</a:t>
-            </a:r>
-          </a:p>
-          <a:p>
-            <a:r>
-              <a:rPr lang="en-IN" dirty="0" err="1" smtClean="0"/>
-              <a:t>isfarther</a:t>
-            </a:r>
-            <a:r>
-              <a:rPr lang="en-IN" dirty="0" smtClean="0"/>
-              <a:t>(start, pos1, pos2)</a:t>
-            </a:r>
-          </a:p>
-          <a:p>
-            <a:r>
-              <a:rPr lang="en-IN" dirty="0" err="1" smtClean="0"/>
-              <a:t>nearest_piece</a:t>
-            </a:r>
-            <a:r>
-              <a:rPr lang="en-IN" dirty="0" smtClean="0"/>
-              <a:t>(position, </a:t>
-            </a:r>
-            <a:r>
-              <a:rPr lang="en-IN" dirty="0" err="1" smtClean="0"/>
-              <a:t>listof</a:t>
-            </a:r>
-            <a:r>
-              <a:rPr lang="en-IN" dirty="0" smtClean="0"/>
-              <a:t>)</a:t>
-            </a:r>
-          </a:p>
-          <a:p>
-            <a:endParaRPr lang="en-IN" dirty="0" smtClean="0"/>
-          </a:p>
           <a:p>
             <a:endParaRPr lang="en-IN" dirty="0"/>
           </a:p>
@@ -4125,7 +4562,7 @@
     </p:spTree>
     <p:extLst>
       <p:ext uri="{BB962C8B-B14F-4D97-AF65-F5344CB8AC3E}">
-        <p14:creationId xmlns:p14="http://schemas.microsoft.com/office/powerpoint/2010/main" val="3511299518"/>
+        <p14:creationId xmlns:p14="http://schemas.microsoft.com/office/powerpoint/2010/main" val="2586307560"/>
       </p:ext>
     </p:extLst>
   </p:cSld>
@@ -4159,40 +4596,101 @@
           <a:chExt cx="0" cy="0"/>
         </a:xfrm>
       </p:grpSpPr>
-      <p:pic>
-        <p:nvPicPr>
-          <p:cNvPr id="2" name="Picture 1"/>
-          <p:cNvPicPr>
-            <a:picLocks noChangeAspect="1"/>
-          </p:cNvPicPr>
-          <p:nvPr/>
-        </p:nvPicPr>
-        <p:blipFill>
-          <a:blip r:embed="rId2">
-            <a:extLst>
-              <a:ext uri="{28A0092B-C50C-407E-A947-70E740481C1C}">
-                <a14:useLocalDpi xmlns:a14="http://schemas.microsoft.com/office/drawing/2010/main" val="0"/>
-              </a:ext>
-            </a:extLst>
-          </a:blip>
-          <a:stretch>
-            <a:fillRect/>
-          </a:stretch>
-        </p:blipFill>
+      <p:sp>
+        <p:nvSpPr>
+          <p:cNvPr id="2" name="Title 1"/>
+          <p:cNvSpPr>
+            <a:spLocks noGrp="1"/>
+          </p:cNvSpPr>
+          <p:nvPr>
+            <p:ph type="title"/>
+          </p:nvPr>
+        </p:nvSpPr>
+        <p:spPr/>
+        <p:txBody>
+          <a:bodyPr/>
+          <a:lstStyle/>
+          <a:p>
+            <a:pPr algn="ctr"/>
+            <a:r>
+              <a:rPr lang="en-IN" dirty="0" smtClean="0"/>
+              <a:t>User-Defined Functions</a:t>
+            </a:r>
+            <a:endParaRPr lang="en-IN" dirty="0"/>
+          </a:p>
+        </p:txBody>
+      </p:sp>
+      <p:sp>
+        <p:nvSpPr>
+          <p:cNvPr id="3" name="Content Placeholder 2"/>
+          <p:cNvSpPr>
+            <a:spLocks noGrp="1"/>
+          </p:cNvSpPr>
+          <p:nvPr>
+            <p:ph idx="1"/>
+          </p:nvPr>
+        </p:nvSpPr>
         <p:spPr>
           <a:xfrm>
-            <a:off x="0" y="0"/>
-            <a:ext cx="12192000" cy="6857999"/>
+            <a:off x="838200" y="1803400"/>
+            <a:ext cx="10515600" cy="4622800"/>
           </a:xfrm>
-          <a:prstGeom prst="rect">
-            <a:avLst/>
-          </a:prstGeom>
         </p:spPr>
-      </p:pic>
+        <p:txBody>
+          <a:bodyPr/>
+          <a:lstStyle/>
+          <a:p>
+            <a:r>
+              <a:rPr lang="en-IN" dirty="0" smtClean="0"/>
+              <a:t>game() – the actual game loop</a:t>
+            </a:r>
+            <a:endParaRPr lang="en-IN" dirty="0" smtClean="0"/>
+          </a:p>
+          <a:p>
+            <a:endParaRPr lang="en-IN" dirty="0" smtClean="0"/>
+          </a:p>
+          <a:p>
+            <a:r>
+              <a:rPr lang="en-IN" dirty="0" smtClean="0"/>
+              <a:t>checkquitgame() – listen for quit game triggers</a:t>
+            </a:r>
+            <a:endParaRPr lang="en-IN" dirty="0" smtClean="0"/>
+          </a:p>
+          <a:p>
+            <a:endParaRPr lang="en-IN" dirty="0" smtClean="0"/>
+          </a:p>
+          <a:p>
+            <a:r>
+              <a:rPr lang="en-IN" dirty="0" smtClean="0"/>
+              <a:t>drawboard(colors) – draws the chess board</a:t>
+            </a:r>
+          </a:p>
+          <a:p>
+            <a:pPr marL="0" indent="0">
+              <a:buNone/>
+            </a:pPr>
+            <a:endParaRPr lang="en-IN" dirty="0" smtClean="0"/>
+          </a:p>
+          <a:p>
+            <a:r>
+              <a:rPr lang="en-IN" dirty="0" smtClean="0"/>
+              <a:t>make_lines(position, </a:t>
+            </a:r>
+            <a:r>
+              <a:rPr lang="en-IN" dirty="0" smtClean="0"/>
+              <a:t>position list, angle list) – find squares at a particular angle from given position</a:t>
+            </a:r>
+            <a:endParaRPr lang="en-IN" dirty="0" smtClean="0"/>
+          </a:p>
+          <a:p>
+            <a:endParaRPr lang="en-IN" dirty="0"/>
+          </a:p>
+        </p:txBody>
+      </p:sp>
     </p:spTree>
     <p:extLst>
       <p:ext uri="{BB962C8B-B14F-4D97-AF65-F5344CB8AC3E}">
-        <p14:creationId xmlns:p14="http://schemas.microsoft.com/office/powerpoint/2010/main" val="2773863182"/>
+        <p14:creationId xmlns:p14="http://schemas.microsoft.com/office/powerpoint/2010/main" val="3511299518"/>
       </p:ext>
     </p:extLst>
   </p:cSld>

--- a/MEDIA/presentation.pptx
+++ b/MEDIA/presentation.pptx
@@ -254,7 +254,7 @@
           <a:p>
             <a:fld id="{0E7E3124-779D-4B50-9AB1-0CA3FF672E87}" type="datetimeFigureOut">
               <a:rPr lang="en-IN" smtClean="0"/>
-              <a:t>01-11-2017</a:t>
+              <a:t>07-11-2017</a:t>
             </a:fld>
             <a:endParaRPr lang="en-IN"/>
           </a:p>
@@ -424,7 +424,7 @@
           <a:p>
             <a:fld id="{0E7E3124-779D-4B50-9AB1-0CA3FF672E87}" type="datetimeFigureOut">
               <a:rPr lang="en-IN" smtClean="0"/>
-              <a:t>01-11-2017</a:t>
+              <a:t>07-11-2017</a:t>
             </a:fld>
             <a:endParaRPr lang="en-IN"/>
           </a:p>
@@ -604,7 +604,7 @@
           <a:p>
             <a:fld id="{0E7E3124-779D-4B50-9AB1-0CA3FF672E87}" type="datetimeFigureOut">
               <a:rPr lang="en-IN" smtClean="0"/>
-              <a:t>01-11-2017</a:t>
+              <a:t>07-11-2017</a:t>
             </a:fld>
             <a:endParaRPr lang="en-IN"/>
           </a:p>
@@ -774,7 +774,7 @@
           <a:p>
             <a:fld id="{0E7E3124-779D-4B50-9AB1-0CA3FF672E87}" type="datetimeFigureOut">
               <a:rPr lang="en-IN" smtClean="0"/>
-              <a:t>01-11-2017</a:t>
+              <a:t>07-11-2017</a:t>
             </a:fld>
             <a:endParaRPr lang="en-IN"/>
           </a:p>
@@ -1020,7 +1020,7 @@
           <a:p>
             <a:fld id="{0E7E3124-779D-4B50-9AB1-0CA3FF672E87}" type="datetimeFigureOut">
               <a:rPr lang="en-IN" smtClean="0"/>
-              <a:t>01-11-2017</a:t>
+              <a:t>07-11-2017</a:t>
             </a:fld>
             <a:endParaRPr lang="en-IN"/>
           </a:p>
@@ -1252,7 +1252,7 @@
           <a:p>
             <a:fld id="{0E7E3124-779D-4B50-9AB1-0CA3FF672E87}" type="datetimeFigureOut">
               <a:rPr lang="en-IN" smtClean="0"/>
-              <a:t>01-11-2017</a:t>
+              <a:t>07-11-2017</a:t>
             </a:fld>
             <a:endParaRPr lang="en-IN"/>
           </a:p>
@@ -1619,7 +1619,7 @@
           <a:p>
             <a:fld id="{0E7E3124-779D-4B50-9AB1-0CA3FF672E87}" type="datetimeFigureOut">
               <a:rPr lang="en-IN" smtClean="0"/>
-              <a:t>01-11-2017</a:t>
+              <a:t>07-11-2017</a:t>
             </a:fld>
             <a:endParaRPr lang="en-IN"/>
           </a:p>
@@ -1737,7 +1737,7 @@
           <a:p>
             <a:fld id="{0E7E3124-779D-4B50-9AB1-0CA3FF672E87}" type="datetimeFigureOut">
               <a:rPr lang="en-IN" smtClean="0"/>
-              <a:t>01-11-2017</a:t>
+              <a:t>07-11-2017</a:t>
             </a:fld>
             <a:endParaRPr lang="en-IN"/>
           </a:p>
@@ -1832,7 +1832,7 @@
           <a:p>
             <a:fld id="{0E7E3124-779D-4B50-9AB1-0CA3FF672E87}" type="datetimeFigureOut">
               <a:rPr lang="en-IN" smtClean="0"/>
-              <a:t>01-11-2017</a:t>
+              <a:t>07-11-2017</a:t>
             </a:fld>
             <a:endParaRPr lang="en-IN"/>
           </a:p>
@@ -2109,7 +2109,7 @@
           <a:p>
             <a:fld id="{0E7E3124-779D-4B50-9AB1-0CA3FF672E87}" type="datetimeFigureOut">
               <a:rPr lang="en-IN" smtClean="0"/>
-              <a:t>01-11-2017</a:t>
+              <a:t>07-11-2017</a:t>
             </a:fld>
             <a:endParaRPr lang="en-IN"/>
           </a:p>
@@ -2362,7 +2362,7 @@
           <a:p>
             <a:fld id="{0E7E3124-779D-4B50-9AB1-0CA3FF672E87}" type="datetimeFigureOut">
               <a:rPr lang="en-IN" smtClean="0"/>
-              <a:t>01-11-2017</a:t>
+              <a:t>07-11-2017</a:t>
             </a:fld>
             <a:endParaRPr lang="en-IN"/>
           </a:p>
@@ -2575,7 +2575,7 @@
           <a:p>
             <a:fld id="{0E7E3124-779D-4B50-9AB1-0CA3FF672E87}" type="datetimeFigureOut">
               <a:rPr lang="en-IN" smtClean="0"/>
-              <a:t>01-11-2017</a:t>
+              <a:t>07-11-2017</a:t>
             </a:fld>
             <a:endParaRPr lang="en-IN"/>
           </a:p>
@@ -3632,11 +3632,7 @@
             <a:pPr algn="ctr"/>
             <a:r>
               <a:rPr lang="en-IN" sz="5400" dirty="0" smtClean="0"/>
-              <a:t>System </a:t>
-            </a:r>
-            <a:r>
-              <a:rPr lang="en-IN" sz="5400" dirty="0" smtClean="0"/>
-              <a:t>Requirements</a:t>
+              <a:t>System Requirements</a:t>
             </a:r>
             <a:endParaRPr lang="en-IN" sz="5400" dirty="0"/>
           </a:p>
@@ -3745,11 +3741,7 @@
             <a:pPr algn="ctr"/>
             <a:r>
               <a:rPr lang="en-IN" dirty="0" smtClean="0"/>
-              <a:t>  Movement </a:t>
-            </a:r>
-            <a:r>
-              <a:rPr lang="en-IN" dirty="0" smtClean="0"/>
-              <a:t>of pieces	</a:t>
+              <a:t>  Movement of pieces	</a:t>
             </a:r>
             <a:endParaRPr lang="en-IN" dirty="0"/>
           </a:p>
@@ -3841,7 +3833,6 @@
               <a:rPr lang="en-IN" sz="2400" b="1" dirty="0" smtClean="0"/>
               <a:t>King</a:t>
             </a:r>
-            <a:endParaRPr lang="en-IN" sz="2400" b="1" dirty="0" smtClean="0"/>
           </a:p>
           <a:p>
             <a:pPr algn="ctr"/>
@@ -3960,11 +3951,7 @@
             <a:pPr algn="ctr"/>
             <a:r>
               <a:rPr lang="en-IN" dirty="0" smtClean="0"/>
-              <a:t>  Movement </a:t>
-            </a:r>
-            <a:r>
-              <a:rPr lang="en-IN" dirty="0" smtClean="0"/>
-              <a:t>of pieces	</a:t>
+              <a:t>  Movement of pieces	</a:t>
             </a:r>
             <a:endParaRPr lang="en-IN" dirty="0"/>
           </a:p>
@@ -4033,7 +4020,6 @@
               <a:rPr lang="en-IN" dirty="0" smtClean="0"/>
               <a:t>Angles of Movements: </a:t>
             </a:r>
-            <a:endParaRPr lang="en-IN" dirty="0" smtClean="0"/>
           </a:p>
           <a:p>
             <a:pPr algn="ctr"/>
@@ -4047,15 +4033,7 @@
             </a:r>
             <a:r>
               <a:rPr lang="en-IN" dirty="0" smtClean="0"/>
-              <a:t>(1/2</a:t>
-            </a:r>
-            <a:r>
-              <a:rPr lang="en-IN" dirty="0" smtClean="0"/>
-              <a:t>), </a:t>
-            </a:r>
-            <a:r>
-              <a:rPr lang="en-IN" dirty="0" smtClean="0"/>
-              <a:t>tan</a:t>
+              <a:t>(1/2), tan</a:t>
             </a:r>
             <a:r>
               <a:rPr lang="en-IN" sz="2000" baseline="30000" dirty="0" smtClean="0"/>
@@ -4222,11 +4200,7 @@
             <a:pPr algn="ctr"/>
             <a:r>
               <a:rPr lang="en-IN" dirty="0" smtClean="0"/>
-              <a:t> Movement </a:t>
-            </a:r>
-            <a:r>
-              <a:rPr lang="en-IN" dirty="0" smtClean="0"/>
-              <a:t>of pieces	</a:t>
+              <a:t> Movement of pieces	</a:t>
             </a:r>
             <a:endParaRPr lang="en-IN" dirty="0"/>
           </a:p>
@@ -4436,11 +4410,7 @@
             <a:pPr algn="ctr"/>
             <a:r>
               <a:rPr lang="en-IN" dirty="0" smtClean="0"/>
-              <a:t>Class </a:t>
-            </a:r>
-            <a:r>
-              <a:rPr lang="en-IN" dirty="0" smtClean="0"/>
-              <a:t>Diagram – Chess Pieces </a:t>
+              <a:t>Class Diagram – Chess Pieces </a:t>
             </a:r>
             <a:endParaRPr lang="en-IN" dirty="0"/>
           </a:p>
@@ -4552,8 +4522,161 @@
           </a:xfrm>
         </p:spPr>
         <p:txBody>
-          <a:bodyPr/>
-          <a:lstStyle/>
+          <a:bodyPr>
+            <a:normAutofit fontScale="85000" lnSpcReduction="20000"/>
+          </a:bodyPr>
+          <a:lstStyle/>
+          <a:p>
+            <a:endParaRPr lang="en-IN" sz="2000" dirty="0" smtClean="0"/>
+          </a:p>
+          <a:p>
+            <a:r>
+              <a:rPr lang="en-IN" sz="2000" dirty="0" err="1" smtClean="0"/>
+              <a:t>p</a:t>
+            </a:r>
+            <a:r>
+              <a:rPr lang="en-IN" sz="2000" dirty="0" err="1" smtClean="0"/>
+              <a:t>ygame.Sprite</a:t>
+            </a:r>
+            <a:r>
+              <a:rPr lang="en-IN" sz="2000" dirty="0" smtClean="0"/>
+              <a:t>() – Basic game object (draw, drag and update functions available)</a:t>
+            </a:r>
+          </a:p>
+          <a:p>
+            <a:pPr lvl="1"/>
+            <a:r>
+              <a:rPr lang="en-IN" sz="1600" dirty="0" smtClean="0"/>
+              <a:t>d</a:t>
+            </a:r>
+            <a:r>
+              <a:rPr lang="en-IN" sz="1600" dirty="0" smtClean="0"/>
+              <a:t>raw()</a:t>
+            </a:r>
+          </a:p>
+          <a:p>
+            <a:pPr lvl="1"/>
+            <a:r>
+              <a:rPr lang="en-IN" sz="1600" dirty="0" smtClean="0"/>
+              <a:t>drag()</a:t>
+            </a:r>
+          </a:p>
+          <a:p>
+            <a:pPr lvl="1"/>
+            <a:r>
+              <a:rPr lang="en-IN" sz="1600" dirty="0" smtClean="0"/>
+              <a:t>update()</a:t>
+            </a:r>
+            <a:endParaRPr lang="en-IN" sz="1600" dirty="0" smtClean="0"/>
+          </a:p>
+          <a:p>
+            <a:pPr lvl="1"/>
+            <a:endParaRPr lang="en-IN" sz="1600" dirty="0" smtClean="0"/>
+          </a:p>
+          <a:p>
+            <a:r>
+              <a:rPr lang="en-IN" sz="2000" dirty="0" err="1"/>
+              <a:t>p</a:t>
+            </a:r>
+            <a:r>
+              <a:rPr lang="en-IN" sz="2000" dirty="0" err="1" smtClean="0"/>
+              <a:t>ygame.locals</a:t>
+            </a:r>
+            <a:endParaRPr lang="en-IN" sz="2000" dirty="0" smtClean="0"/>
+          </a:p>
+          <a:p>
+            <a:pPr lvl="1"/>
+            <a:r>
+              <a:rPr lang="en-IN" sz="1600" dirty="0" smtClean="0"/>
+              <a:t>MOUSEBUTTONDOWN</a:t>
+            </a:r>
+          </a:p>
+          <a:p>
+            <a:pPr lvl="1"/>
+            <a:r>
+              <a:rPr lang="en-IN" sz="1600" dirty="0" smtClean="0"/>
+              <a:t>MOUSEBUTTONUP</a:t>
+            </a:r>
+          </a:p>
+          <a:p>
+            <a:pPr lvl="1"/>
+            <a:r>
+              <a:rPr lang="en-IN" sz="1600" dirty="0" err="1" smtClean="0"/>
+              <a:t>Rect</a:t>
+            </a:r>
+            <a:endParaRPr lang="en-IN" sz="1600" dirty="0" smtClean="0"/>
+          </a:p>
+          <a:p>
+            <a:r>
+              <a:rPr lang="en-IN" sz="2000" dirty="0" err="1" smtClean="0"/>
+              <a:t>pygame.draw.rect</a:t>
+            </a:r>
+            <a:r>
+              <a:rPr lang="en-IN" sz="2000" dirty="0" smtClean="0"/>
+              <a:t>()</a:t>
+            </a:r>
+          </a:p>
+          <a:p>
+            <a:r>
+              <a:rPr lang="en-IN" sz="2000" dirty="0" err="1" smtClean="0"/>
+              <a:t>sys.exit</a:t>
+            </a:r>
+            <a:r>
+              <a:rPr lang="en-IN" sz="2000" dirty="0" smtClean="0"/>
+              <a:t>()</a:t>
+            </a:r>
+          </a:p>
+          <a:p>
+            <a:r>
+              <a:rPr lang="en-IN" sz="2000" dirty="0" err="1" smtClean="0"/>
+              <a:t>Tkinter.messagebox.showinfo</a:t>
+            </a:r>
+            <a:r>
+              <a:rPr lang="en-IN" sz="2000" dirty="0" smtClean="0"/>
+              <a:t>()</a:t>
+            </a:r>
+          </a:p>
+          <a:p>
+            <a:r>
+              <a:rPr lang="en-IN" sz="2000" dirty="0" err="1" smtClean="0"/>
+              <a:t>pygame.display.set_caption</a:t>
+            </a:r>
+            <a:r>
+              <a:rPr lang="en-IN" sz="2000" dirty="0" smtClean="0"/>
+              <a:t>()</a:t>
+            </a:r>
+          </a:p>
+          <a:p>
+            <a:r>
+              <a:rPr lang="en-IN" sz="2000" dirty="0" smtClean="0"/>
+              <a:t>math</a:t>
+            </a:r>
+          </a:p>
+          <a:p>
+            <a:pPr lvl="1"/>
+            <a:r>
+              <a:rPr lang="en-IN" sz="1600" dirty="0" smtClean="0"/>
+              <a:t>pi()</a:t>
+            </a:r>
+          </a:p>
+          <a:p>
+            <a:pPr lvl="1"/>
+            <a:r>
+              <a:rPr lang="en-IN" sz="1600" dirty="0" err="1" smtClean="0"/>
+              <a:t>sqrt</a:t>
+            </a:r>
+            <a:r>
+              <a:rPr lang="en-IN" sz="1600" dirty="0" smtClean="0"/>
+              <a:t>()</a:t>
+            </a:r>
+          </a:p>
+          <a:p>
+            <a:pPr lvl="1"/>
+            <a:r>
+              <a:rPr lang="en-IN" sz="1600" dirty="0" smtClean="0"/>
+              <a:t>atan2()</a:t>
+            </a:r>
+          </a:p>
           <a:p>
             <a:endParaRPr lang="en-IN" dirty="0"/>
           </a:p>
@@ -4644,19 +4767,11 @@
               <a:rPr lang="en-IN" dirty="0" smtClean="0"/>
               <a:t>game() – the actual game loop</a:t>
             </a:r>
-            <a:endParaRPr lang="en-IN" dirty="0" smtClean="0"/>
-          </a:p>
-          <a:p>
-            <a:endParaRPr lang="en-IN" dirty="0" smtClean="0"/>
-          </a:p>
-          <a:p>
-            <a:r>
-              <a:rPr lang="en-IN" dirty="0" smtClean="0"/>
-              <a:t>checkquitgame() – listen for quit game triggers</a:t>
-            </a:r>
-            <a:endParaRPr lang="en-IN" dirty="0" smtClean="0"/>
-          </a:p>
-          <a:p>
+          </a:p>
+          <a:p>
+            <a:pPr marL="0" indent="0">
+              <a:buNone/>
+            </a:pPr>
             <a:endParaRPr lang="en-IN" dirty="0" smtClean="0"/>
           </a:p>
           <a:p>
@@ -4674,13 +4789,8 @@
           <a:p>
             <a:r>
               <a:rPr lang="en-IN" dirty="0" smtClean="0"/>
-              <a:t>make_lines(position, </a:t>
-            </a:r>
-            <a:r>
-              <a:rPr lang="en-IN" dirty="0" smtClean="0"/>
-              <a:t>position list, angle list) – find squares at a particular angle from given position</a:t>
-            </a:r>
-            <a:endParaRPr lang="en-IN" dirty="0" smtClean="0"/>
+              <a:t>make_lines(position, position list, angle list) – find squares at a particular angle from given position</a:t>
+            </a:r>
           </a:p>
           <a:p>
             <a:endParaRPr lang="en-IN" dirty="0"/>

--- a/MEDIA/presentation.pptx
+++ b/MEDIA/presentation.pptx
@@ -12,10 +12,10 @@
     <p:sldId id="260" r:id="rId6"/>
     <p:sldId id="261" r:id="rId7"/>
     <p:sldId id="259" r:id="rId8"/>
-    <p:sldId id="262" r:id="rId9"/>
-    <p:sldId id="263" r:id="rId10"/>
-    <p:sldId id="267" r:id="rId11"/>
-    <p:sldId id="265" r:id="rId12"/>
+    <p:sldId id="265" r:id="rId9"/>
+    <p:sldId id="262" r:id="rId10"/>
+    <p:sldId id="263" r:id="rId11"/>
+    <p:sldId id="267" r:id="rId12"/>
     <p:sldId id="268" r:id="rId13"/>
   </p:sldIdLst>
   <p:sldSz cx="12192000" cy="6858000"/>
@@ -3155,12 +3155,8 @@
           <a:lstStyle/>
           <a:p>
             <a:r>
-              <a:rPr lang="en-IN" dirty="0"/>
-              <a:t>distance_formula(pos1, pos2</a:t>
-            </a:r>
-            <a:r>
               <a:rPr lang="en-IN" dirty="0" smtClean="0"/>
-              <a:t>) – calculate distance between two 						    points on the board</a:t>
+              <a:t>game() – the actual game loop</a:t>
             </a:r>
           </a:p>
           <a:p>
@@ -3170,6 +3166,12 @@
             <a:endParaRPr lang="en-IN" dirty="0" smtClean="0"/>
           </a:p>
           <a:p>
+            <a:r>
+              <a:rPr lang="en-IN" dirty="0" smtClean="0"/>
+              <a:t>drawboard(colors) – draws the chess board</a:t>
+            </a:r>
+          </a:p>
+          <a:p>
             <a:pPr marL="0" indent="0">
               <a:buNone/>
             </a:pPr>
@@ -3178,37 +3180,10 @@
           <a:p>
             <a:r>
               <a:rPr lang="en-IN" dirty="0" smtClean="0"/>
-              <a:t>isfarther(start</a:t>
-            </a:r>
-            <a:r>
-              <a:rPr lang="en-IN" dirty="0"/>
-              <a:t>, pos1, pos2</a:t>
-            </a:r>
-            <a:r>
-              <a:rPr lang="en-IN" dirty="0" smtClean="0"/>
-              <a:t>) – get the point farthest from start</a:t>
-            </a:r>
-            <a:endParaRPr lang="en-IN" dirty="0"/>
-          </a:p>
-          <a:p>
-            <a:endParaRPr lang="en-IN" dirty="0" smtClean="0"/>
-          </a:p>
-          <a:p>
-            <a:endParaRPr lang="en-IN" dirty="0" smtClean="0"/>
-          </a:p>
-          <a:p>
-            <a:r>
-              <a:rPr lang="en-IN" dirty="0" smtClean="0"/>
-              <a:t>nearest_piece(position</a:t>
-            </a:r>
-            <a:r>
-              <a:rPr lang="en-IN" dirty="0"/>
-              <a:t>, </a:t>
-            </a:r>
-            <a:r>
-              <a:rPr lang="en-IN" dirty="0" smtClean="0"/>
-              <a:t>listofPieces) – calculate nearest piece from a 						   given point</a:t>
-            </a:r>
+              <a:t>make_lines(position, position list, angle list) – find squares at a particular angle from given position</a:t>
+            </a:r>
+          </a:p>
+          <a:p>
             <a:endParaRPr lang="en-IN" dirty="0"/>
           </a:p>
         </p:txBody>
@@ -3216,7 +3191,7 @@
     </p:spTree>
     <p:extLst>
       <p:ext uri="{BB962C8B-B14F-4D97-AF65-F5344CB8AC3E}">
-        <p14:creationId xmlns:p14="http://schemas.microsoft.com/office/powerpoint/2010/main" val="1551318343"/>
+        <p14:creationId xmlns:p14="http://schemas.microsoft.com/office/powerpoint/2010/main" val="3511299518"/>
       </p:ext>
     </p:extLst>
   </p:cSld>
@@ -3250,40 +3225,113 @@
           <a:chExt cx="0" cy="0"/>
         </a:xfrm>
       </p:grpSpPr>
-      <p:pic>
-        <p:nvPicPr>
-          <p:cNvPr id="3" name="Picture 2"/>
-          <p:cNvPicPr>
-            <a:picLocks noChangeAspect="1"/>
-          </p:cNvPicPr>
-          <p:nvPr/>
-        </p:nvPicPr>
-        <p:blipFill>
-          <a:blip r:embed="rId2">
-            <a:extLst>
-              <a:ext uri="{28A0092B-C50C-407E-A947-70E740481C1C}">
-                <a14:useLocalDpi xmlns:a14="http://schemas.microsoft.com/office/drawing/2010/main" val="0"/>
-              </a:ext>
-            </a:extLst>
-          </a:blip>
-          <a:stretch>
-            <a:fillRect/>
-          </a:stretch>
-        </p:blipFill>
+      <p:sp>
+        <p:nvSpPr>
+          <p:cNvPr id="2" name="Title 1"/>
+          <p:cNvSpPr>
+            <a:spLocks noGrp="1"/>
+          </p:cNvSpPr>
+          <p:nvPr>
+            <p:ph type="title"/>
+          </p:nvPr>
+        </p:nvSpPr>
+        <p:spPr/>
+        <p:txBody>
+          <a:bodyPr/>
+          <a:lstStyle/>
+          <a:p>
+            <a:pPr algn="ctr"/>
+            <a:r>
+              <a:rPr lang="en-IN" dirty="0" smtClean="0"/>
+              <a:t>User-Defined Functions</a:t>
+            </a:r>
+            <a:endParaRPr lang="en-IN" dirty="0"/>
+          </a:p>
+        </p:txBody>
+      </p:sp>
+      <p:sp>
+        <p:nvSpPr>
+          <p:cNvPr id="3" name="Content Placeholder 2"/>
+          <p:cNvSpPr>
+            <a:spLocks noGrp="1"/>
+          </p:cNvSpPr>
+          <p:nvPr>
+            <p:ph idx="1"/>
+          </p:nvPr>
+        </p:nvSpPr>
         <p:spPr>
           <a:xfrm>
-            <a:off x="-13" y="0"/>
-            <a:ext cx="12192013" cy="6888575"/>
+            <a:off x="838200" y="1803400"/>
+            <a:ext cx="10515600" cy="4622800"/>
           </a:xfrm>
-          <a:prstGeom prst="rect">
-            <a:avLst/>
-          </a:prstGeom>
         </p:spPr>
-      </p:pic>
+        <p:txBody>
+          <a:bodyPr/>
+          <a:lstStyle/>
+          <a:p>
+            <a:r>
+              <a:rPr lang="en-IN" dirty="0"/>
+              <a:t>distance_formula(pos1, pos2</a:t>
+            </a:r>
+            <a:r>
+              <a:rPr lang="en-IN" dirty="0" smtClean="0"/>
+              <a:t>) – calculate distance between two 						    points on the board</a:t>
+            </a:r>
+          </a:p>
+          <a:p>
+            <a:pPr marL="0" indent="0">
+              <a:buNone/>
+            </a:pPr>
+            <a:endParaRPr lang="en-IN" dirty="0" smtClean="0"/>
+          </a:p>
+          <a:p>
+            <a:pPr marL="0" indent="0">
+              <a:buNone/>
+            </a:pPr>
+            <a:endParaRPr lang="en-IN" dirty="0" smtClean="0"/>
+          </a:p>
+          <a:p>
+            <a:r>
+              <a:rPr lang="en-IN" dirty="0" smtClean="0"/>
+              <a:t>isfarther(start</a:t>
+            </a:r>
+            <a:r>
+              <a:rPr lang="en-IN" dirty="0"/>
+              <a:t>, pos1, pos2</a:t>
+            </a:r>
+            <a:r>
+              <a:rPr lang="en-IN" dirty="0" smtClean="0"/>
+              <a:t>) – get the point farthest from start</a:t>
+            </a:r>
+            <a:endParaRPr lang="en-IN" dirty="0"/>
+          </a:p>
+          <a:p>
+            <a:endParaRPr lang="en-IN" dirty="0" smtClean="0"/>
+          </a:p>
+          <a:p>
+            <a:endParaRPr lang="en-IN" dirty="0" smtClean="0"/>
+          </a:p>
+          <a:p>
+            <a:r>
+              <a:rPr lang="en-IN" dirty="0" smtClean="0"/>
+              <a:t>nearest_piece(position</a:t>
+            </a:r>
+            <a:r>
+              <a:rPr lang="en-IN" dirty="0"/>
+              <a:t>, </a:t>
+            </a:r>
+            <a:r>
+              <a:rPr lang="en-IN" dirty="0" smtClean="0"/>
+              <a:t>listofPieces) – calculate nearest piece from a 						   given point</a:t>
+            </a:r>
+            <a:endParaRPr lang="en-IN" dirty="0"/>
+          </a:p>
+        </p:txBody>
+      </p:sp>
     </p:spTree>
     <p:extLst>
       <p:ext uri="{BB962C8B-B14F-4D97-AF65-F5344CB8AC3E}">
-        <p14:creationId xmlns:p14="http://schemas.microsoft.com/office/powerpoint/2010/main" val="2773863182"/>
+        <p14:creationId xmlns:p14="http://schemas.microsoft.com/office/powerpoint/2010/main" val="1551318343"/>
       </p:ext>
     </p:extLst>
   </p:cSld>
@@ -4482,210 +4530,40 @@
           <a:chExt cx="0" cy="0"/>
         </a:xfrm>
       </p:grpSpPr>
-      <p:sp>
-        <p:nvSpPr>
-          <p:cNvPr id="2" name="Title 1"/>
-          <p:cNvSpPr>
-            <a:spLocks noGrp="1"/>
-          </p:cNvSpPr>
-          <p:nvPr>
-            <p:ph type="title"/>
-          </p:nvPr>
-        </p:nvSpPr>
-        <p:spPr/>
-        <p:txBody>
-          <a:bodyPr/>
-          <a:lstStyle/>
-          <a:p>
-            <a:r>
-              <a:rPr lang="en-IN" dirty="0" smtClean="0"/>
-              <a:t>Library Functions Used</a:t>
-            </a:r>
-            <a:endParaRPr lang="en-IN" dirty="0"/>
-          </a:p>
-        </p:txBody>
-      </p:sp>
-      <p:sp>
-        <p:nvSpPr>
-          <p:cNvPr id="3" name="Content Placeholder 2"/>
-          <p:cNvSpPr>
-            <a:spLocks noGrp="1"/>
-          </p:cNvSpPr>
-          <p:nvPr>
-            <p:ph idx="1"/>
-          </p:nvPr>
-        </p:nvSpPr>
+      <p:pic>
+        <p:nvPicPr>
+          <p:cNvPr id="3" name="Picture 2"/>
+          <p:cNvPicPr>
+            <a:picLocks noChangeAspect="1"/>
+          </p:cNvPicPr>
+          <p:nvPr/>
+        </p:nvPicPr>
+        <p:blipFill>
+          <a:blip r:embed="rId2">
+            <a:extLst>
+              <a:ext uri="{28A0092B-C50C-407E-A947-70E740481C1C}">
+                <a14:useLocalDpi xmlns:a14="http://schemas.microsoft.com/office/drawing/2010/main" val="0"/>
+              </a:ext>
+            </a:extLst>
+          </a:blip>
+          <a:stretch>
+            <a:fillRect/>
+          </a:stretch>
+        </p:blipFill>
         <p:spPr>
           <a:xfrm>
-            <a:off x="838200" y="1371600"/>
-            <a:ext cx="10515600" cy="4805363"/>
+            <a:off x="-13" y="0"/>
+            <a:ext cx="12192013" cy="6888575"/>
           </a:xfrm>
+          <a:prstGeom prst="rect">
+            <a:avLst/>
+          </a:prstGeom>
         </p:spPr>
-        <p:txBody>
-          <a:bodyPr>
-            <a:normAutofit fontScale="85000" lnSpcReduction="20000"/>
-          </a:bodyPr>
-          <a:lstStyle/>
-          <a:p>
-            <a:endParaRPr lang="en-IN" sz="2000" dirty="0" smtClean="0"/>
-          </a:p>
-          <a:p>
-            <a:r>
-              <a:rPr lang="en-IN" sz="2000" dirty="0" err="1" smtClean="0"/>
-              <a:t>p</a:t>
-            </a:r>
-            <a:r>
-              <a:rPr lang="en-IN" sz="2000" dirty="0" err="1" smtClean="0"/>
-              <a:t>ygame.Sprite</a:t>
-            </a:r>
-            <a:r>
-              <a:rPr lang="en-IN" sz="2000" dirty="0" smtClean="0"/>
-              <a:t>() – Basic game object (draw, drag and update functions available)</a:t>
-            </a:r>
-          </a:p>
-          <a:p>
-            <a:pPr lvl="1"/>
-            <a:r>
-              <a:rPr lang="en-IN" sz="1600" dirty="0" smtClean="0"/>
-              <a:t>d</a:t>
-            </a:r>
-            <a:r>
-              <a:rPr lang="en-IN" sz="1600" dirty="0" smtClean="0"/>
-              <a:t>raw()</a:t>
-            </a:r>
-          </a:p>
-          <a:p>
-            <a:pPr lvl="1"/>
-            <a:r>
-              <a:rPr lang="en-IN" sz="1600" dirty="0" smtClean="0"/>
-              <a:t>drag()</a:t>
-            </a:r>
-          </a:p>
-          <a:p>
-            <a:pPr lvl="1"/>
-            <a:r>
-              <a:rPr lang="en-IN" sz="1600" dirty="0" smtClean="0"/>
-              <a:t>update()</a:t>
-            </a:r>
-            <a:endParaRPr lang="en-IN" sz="1600" dirty="0" smtClean="0"/>
-          </a:p>
-          <a:p>
-            <a:pPr lvl="1"/>
-            <a:endParaRPr lang="en-IN" sz="1600" dirty="0" smtClean="0"/>
-          </a:p>
-          <a:p>
-            <a:r>
-              <a:rPr lang="en-IN" sz="2000" dirty="0" err="1"/>
-              <a:t>p</a:t>
-            </a:r>
-            <a:r>
-              <a:rPr lang="en-IN" sz="2000" dirty="0" err="1" smtClean="0"/>
-              <a:t>ygame.locals</a:t>
-            </a:r>
-            <a:endParaRPr lang="en-IN" sz="2000" dirty="0" smtClean="0"/>
-          </a:p>
-          <a:p>
-            <a:pPr lvl="1"/>
-            <a:r>
-              <a:rPr lang="en-IN" sz="1600" dirty="0" smtClean="0"/>
-              <a:t>MOUSEBUTTONDOWN</a:t>
-            </a:r>
-          </a:p>
-          <a:p>
-            <a:pPr lvl="1"/>
-            <a:r>
-              <a:rPr lang="en-IN" sz="1600" dirty="0" smtClean="0"/>
-              <a:t>MOUSEBUTTONUP</a:t>
-            </a:r>
-          </a:p>
-          <a:p>
-            <a:pPr lvl="1"/>
-            <a:r>
-              <a:rPr lang="en-IN" sz="1600" dirty="0" err="1" smtClean="0"/>
-              <a:t>Rect</a:t>
-            </a:r>
-            <a:endParaRPr lang="en-IN" sz="1600" dirty="0" smtClean="0"/>
-          </a:p>
-          <a:p>
-            <a:r>
-              <a:rPr lang="en-IN" sz="2000" dirty="0" err="1" smtClean="0"/>
-              <a:t>pygame.draw.rect</a:t>
-            </a:r>
-            <a:r>
-              <a:rPr lang="en-IN" sz="2000" dirty="0" smtClean="0"/>
-              <a:t>()</a:t>
-            </a:r>
-          </a:p>
-          <a:p>
-            <a:r>
-              <a:rPr lang="en-IN" sz="2000" dirty="0" err="1" smtClean="0"/>
-              <a:t>sys.exit</a:t>
-            </a:r>
-            <a:r>
-              <a:rPr lang="en-IN" sz="2000" dirty="0" smtClean="0"/>
-              <a:t>()</a:t>
-            </a:r>
-          </a:p>
-          <a:p>
-            <a:r>
-              <a:rPr lang="en-IN" sz="2000" dirty="0" err="1" smtClean="0"/>
-              <a:t>Tkinter.messagebox.showinfo</a:t>
-            </a:r>
-            <a:r>
-              <a:rPr lang="en-IN" sz="2000" dirty="0" smtClean="0"/>
-              <a:t>()</a:t>
-            </a:r>
-          </a:p>
-          <a:p>
-            <a:r>
-              <a:rPr lang="en-IN" sz="2000" dirty="0" err="1" smtClean="0"/>
-              <a:t>pygame.display.set_caption</a:t>
-            </a:r>
-            <a:r>
-              <a:rPr lang="en-IN" sz="2000" dirty="0" smtClean="0"/>
-              <a:t>()</a:t>
-            </a:r>
-          </a:p>
-          <a:p>
-            <a:r>
-              <a:rPr lang="en-IN" sz="2000" dirty="0" smtClean="0"/>
-              <a:t>math</a:t>
-            </a:r>
-          </a:p>
-          <a:p>
-            <a:pPr lvl="1"/>
-            <a:r>
-              <a:rPr lang="en-IN" sz="1600" dirty="0" smtClean="0"/>
-              <a:t>pi()</a:t>
-            </a:r>
-          </a:p>
-          <a:p>
-            <a:pPr lvl="1"/>
-            <a:r>
-              <a:rPr lang="en-IN" sz="1600" dirty="0" err="1" smtClean="0"/>
-              <a:t>sqrt</a:t>
-            </a:r>
-            <a:r>
-              <a:rPr lang="en-IN" sz="1600" dirty="0" smtClean="0"/>
-              <a:t>()</a:t>
-            </a:r>
-          </a:p>
-          <a:p>
-            <a:pPr lvl="1"/>
-            <a:r>
-              <a:rPr lang="en-IN" sz="1600" dirty="0" smtClean="0"/>
-              <a:t>atan2()</a:t>
-            </a:r>
-          </a:p>
-          <a:p>
-            <a:endParaRPr lang="en-IN" dirty="0"/>
-          </a:p>
-        </p:txBody>
-      </p:sp>
+      </p:pic>
     </p:spTree>
     <p:extLst>
       <p:ext uri="{BB962C8B-B14F-4D97-AF65-F5344CB8AC3E}">
-        <p14:creationId xmlns:p14="http://schemas.microsoft.com/office/powerpoint/2010/main" val="2586307560"/>
+        <p14:creationId xmlns:p14="http://schemas.microsoft.com/office/powerpoint/2010/main" val="2773863182"/>
       </p:ext>
     </p:extLst>
   </p:cSld>
@@ -4734,10 +4612,9 @@
           <a:bodyPr/>
           <a:lstStyle/>
           <a:p>
-            <a:pPr algn="ctr"/>
             <a:r>
               <a:rPr lang="en-IN" dirty="0" smtClean="0"/>
-              <a:t>User-Defined Functions</a:t>
+              <a:t>Library Functions Used</a:t>
             </a:r>
             <a:endParaRPr lang="en-IN" dirty="0"/>
           </a:p>
@@ -4755,41 +4632,155 @@
         </p:nvSpPr>
         <p:spPr>
           <a:xfrm>
-            <a:off x="838200" y="1803400"/>
-            <a:ext cx="10515600" cy="4622800"/>
+            <a:off x="838200" y="1371600"/>
+            <a:ext cx="10515600" cy="4805363"/>
           </a:xfrm>
         </p:spPr>
         <p:txBody>
-          <a:bodyPr/>
-          <a:lstStyle/>
-          <a:p>
-            <a:r>
-              <a:rPr lang="en-IN" dirty="0" smtClean="0"/>
-              <a:t>game() – the actual game loop</a:t>
-            </a:r>
-          </a:p>
-          <a:p>
-            <a:pPr marL="0" indent="0">
-              <a:buNone/>
-            </a:pPr>
-            <a:endParaRPr lang="en-IN" dirty="0" smtClean="0"/>
-          </a:p>
-          <a:p>
-            <a:r>
-              <a:rPr lang="en-IN" dirty="0" smtClean="0"/>
-              <a:t>drawboard(colors) – draws the chess board</a:t>
-            </a:r>
-          </a:p>
-          <a:p>
-            <a:pPr marL="0" indent="0">
-              <a:buNone/>
-            </a:pPr>
-            <a:endParaRPr lang="en-IN" dirty="0" smtClean="0"/>
-          </a:p>
-          <a:p>
-            <a:r>
-              <a:rPr lang="en-IN" dirty="0" smtClean="0"/>
-              <a:t>make_lines(position, position list, angle list) – find squares at a particular angle from given position</a:t>
+          <a:bodyPr>
+            <a:normAutofit fontScale="85000" lnSpcReduction="20000"/>
+          </a:bodyPr>
+          <a:lstStyle/>
+          <a:p>
+            <a:endParaRPr lang="en-IN" sz="2000" dirty="0" smtClean="0"/>
+          </a:p>
+          <a:p>
+            <a:r>
+              <a:rPr lang="en-IN" sz="2000" dirty="0" err="1" smtClean="0"/>
+              <a:t>pygame.Sprite</a:t>
+            </a:r>
+            <a:r>
+              <a:rPr lang="en-IN" sz="2000" dirty="0" smtClean="0"/>
+              <a:t>() – Basic game object (draw, drag and update functions available)</a:t>
+            </a:r>
+          </a:p>
+          <a:p>
+            <a:pPr lvl="1"/>
+            <a:r>
+              <a:rPr lang="en-IN" sz="1600" dirty="0" smtClean="0"/>
+              <a:t>draw()</a:t>
+            </a:r>
+          </a:p>
+          <a:p>
+            <a:pPr lvl="1"/>
+            <a:r>
+              <a:rPr lang="en-IN" sz="1600" dirty="0" smtClean="0"/>
+              <a:t>drag()</a:t>
+            </a:r>
+          </a:p>
+          <a:p>
+            <a:pPr lvl="1"/>
+            <a:r>
+              <a:rPr lang="en-IN" sz="1600" dirty="0" smtClean="0"/>
+              <a:t>update()</a:t>
+            </a:r>
+          </a:p>
+          <a:p>
+            <a:pPr lvl="1"/>
+            <a:endParaRPr lang="en-IN" sz="1600" dirty="0" smtClean="0"/>
+          </a:p>
+          <a:p>
+            <a:r>
+              <a:rPr lang="en-IN" sz="2000" dirty="0" err="1"/>
+              <a:t>p</a:t>
+            </a:r>
+            <a:r>
+              <a:rPr lang="en-IN" sz="2000" dirty="0" err="1" smtClean="0"/>
+              <a:t>ygame.locals</a:t>
+            </a:r>
+            <a:endParaRPr lang="en-IN" sz="2000" dirty="0" smtClean="0"/>
+          </a:p>
+          <a:p>
+            <a:pPr lvl="1"/>
+            <a:r>
+              <a:rPr lang="en-IN" sz="1600" dirty="0" smtClean="0"/>
+              <a:t>MOUSEBUTTONDOWN</a:t>
+            </a:r>
+          </a:p>
+          <a:p>
+            <a:pPr lvl="1"/>
+            <a:r>
+              <a:rPr lang="en-IN" sz="1600" dirty="0" smtClean="0"/>
+              <a:t>MOUSEBUTTONUP</a:t>
+            </a:r>
+          </a:p>
+          <a:p>
+            <a:pPr lvl="1"/>
+            <a:r>
+              <a:rPr lang="en-IN" sz="1600" dirty="0" err="1" smtClean="0"/>
+              <a:t>Rect</a:t>
+            </a:r>
+            <a:endParaRPr lang="en-IN" sz="1600" dirty="0" smtClean="0"/>
+          </a:p>
+          <a:p>
+            <a:r>
+              <a:rPr lang="en-IN" sz="2000" dirty="0" err="1" smtClean="0"/>
+              <a:t>pygame.draw.rect</a:t>
+            </a:r>
+            <a:r>
+              <a:rPr lang="en-IN" sz="2000" dirty="0" smtClean="0"/>
+              <a:t>()</a:t>
+            </a:r>
+          </a:p>
+          <a:p>
+            <a:r>
+              <a:rPr lang="en-IN" sz="2000" dirty="0" err="1" smtClean="0"/>
+              <a:t>sys.exit</a:t>
+            </a:r>
+            <a:r>
+              <a:rPr lang="en-IN" sz="2000" dirty="0" smtClean="0"/>
+              <a:t>()</a:t>
+            </a:r>
+          </a:p>
+          <a:p>
+            <a:r>
+              <a:rPr lang="en-IN" sz="2000" dirty="0" err="1" smtClean="0"/>
+              <a:t>Tkinter.messagebox.showinfo</a:t>
+            </a:r>
+            <a:r>
+              <a:rPr lang="en-IN" sz="2000" dirty="0" smtClean="0"/>
+              <a:t>()</a:t>
+            </a:r>
+          </a:p>
+          <a:p>
+            <a:r>
+              <a:rPr lang="en-IN" sz="2000" dirty="0" err="1" smtClean="0"/>
+              <a:t>pygame.display.set_caption</a:t>
+            </a:r>
+            <a:r>
+              <a:rPr lang="en-IN" sz="2000" dirty="0" smtClean="0"/>
+              <a:t>()</a:t>
+            </a:r>
+          </a:p>
+          <a:p>
+            <a:r>
+              <a:rPr lang="en-IN" sz="2000" dirty="0" smtClean="0"/>
+              <a:t>math</a:t>
+            </a:r>
+          </a:p>
+          <a:p>
+            <a:pPr lvl="1"/>
+            <a:r>
+              <a:rPr lang="en-IN" sz="1600" dirty="0" smtClean="0"/>
+              <a:t>pi()</a:t>
+            </a:r>
+          </a:p>
+          <a:p>
+            <a:pPr lvl="1"/>
+            <a:r>
+              <a:rPr lang="en-IN" sz="1600" dirty="0" err="1" smtClean="0"/>
+              <a:t>sqrt</a:t>
+            </a:r>
+            <a:r>
+              <a:rPr lang="en-IN" sz="1600" dirty="0" smtClean="0"/>
+              <a:t>()</a:t>
+            </a:r>
+          </a:p>
+          <a:p>
+            <a:pPr lvl="1"/>
+            <a:r>
+              <a:rPr lang="en-IN" sz="1600" dirty="0" smtClean="0"/>
+              <a:t>atan2()</a:t>
             </a:r>
           </a:p>
           <a:p>
@@ -4800,7 +4791,7 @@
     </p:spTree>
     <p:extLst>
       <p:ext uri="{BB962C8B-B14F-4D97-AF65-F5344CB8AC3E}">
-        <p14:creationId xmlns:p14="http://schemas.microsoft.com/office/powerpoint/2010/main" val="3511299518"/>
+        <p14:creationId xmlns:p14="http://schemas.microsoft.com/office/powerpoint/2010/main" val="2586307560"/>
       </p:ext>
     </p:extLst>
   </p:cSld>
